--- a/Presentation/CE554_Research_Plan_홍승우_최종훈.pptx
+++ b/Presentation/CE554_Research_Plan_홍승우_최종훈.pptx
@@ -5,17 +5,18 @@
     <p:sldMasterId id="2147483660" r:id="rId1"/>
   </p:sldMasterIdLst>
   <p:notesMasterIdLst>
-    <p:notesMasterId r:id="rId10"/>
+    <p:notesMasterId r:id="rId11"/>
   </p:notesMasterIdLst>
   <p:sldIdLst>
     <p:sldId id="256" r:id="rId2"/>
     <p:sldId id="258" r:id="rId3"/>
     <p:sldId id="284" r:id="rId4"/>
-    <p:sldId id="285" r:id="rId5"/>
-    <p:sldId id="281" r:id="rId6"/>
-    <p:sldId id="282" r:id="rId7"/>
-    <p:sldId id="283" r:id="rId8"/>
-    <p:sldId id="280" r:id="rId9"/>
+    <p:sldId id="286" r:id="rId5"/>
+    <p:sldId id="285" r:id="rId6"/>
+    <p:sldId id="281" r:id="rId7"/>
+    <p:sldId id="282" r:id="rId8"/>
+    <p:sldId id="283" r:id="rId9"/>
+    <p:sldId id="280" r:id="rId10"/>
   </p:sldIdLst>
   <p:sldSz cx="9144000" cy="6858000" type="screen4x3"/>
   <p:notesSz cx="6858000" cy="9144000"/>
@@ -896,7 +897,7 @@
     </p:spTree>
     <p:extLst>
       <p:ext uri="{BB962C8B-B14F-4D97-AF65-F5344CB8AC3E}">
-        <p14:creationId xmlns:p14="http://schemas.microsoft.com/office/powerpoint/2010/main" val="3554682766"/>
+        <p14:creationId xmlns:p14="http://schemas.microsoft.com/office/powerpoint/2010/main" val="939122183"/>
       </p:ext>
     </p:extLst>
   </p:cSld>
@@ -989,7 +990,7 @@
     </p:spTree>
     <p:extLst>
       <p:ext uri="{BB962C8B-B14F-4D97-AF65-F5344CB8AC3E}">
-        <p14:creationId xmlns:p14="http://schemas.microsoft.com/office/powerpoint/2010/main" val="3889051311"/>
+        <p14:creationId xmlns:p14="http://schemas.microsoft.com/office/powerpoint/2010/main" val="3554682766"/>
       </p:ext>
     </p:extLst>
   </p:cSld>
@@ -1082,7 +1083,7 @@
     </p:spTree>
     <p:extLst>
       <p:ext uri="{BB962C8B-B14F-4D97-AF65-F5344CB8AC3E}">
-        <p14:creationId xmlns:p14="http://schemas.microsoft.com/office/powerpoint/2010/main" val="2532536667"/>
+        <p14:creationId xmlns:p14="http://schemas.microsoft.com/office/powerpoint/2010/main" val="3889051311"/>
       </p:ext>
     </p:extLst>
   </p:cSld>
@@ -1167,6 +1168,99 @@
             <a:fld id="{CD348BE1-5D0F-4005-AE81-D395D83A6DE6}" type="slidenum">
               <a:rPr lang="ko-KR" altLang="en-US" smtClean="0"/>
               <a:t>7</a:t>
+            </a:fld>
+            <a:endParaRPr lang="ko-KR" altLang="en-US"/>
+          </a:p>
+        </p:txBody>
+      </p:sp>
+    </p:spTree>
+    <p:extLst>
+      <p:ext uri="{BB962C8B-B14F-4D97-AF65-F5344CB8AC3E}">
+        <p14:creationId xmlns:p14="http://schemas.microsoft.com/office/powerpoint/2010/main" val="2532536667"/>
+      </p:ext>
+    </p:extLst>
+  </p:cSld>
+  <p:clrMapOvr>
+    <a:masterClrMapping/>
+  </p:clrMapOvr>
+</p:notes>
+</file>
+
+<file path=ppt/notesSlides/notesSlide8.xml><?xml version="1.0" encoding="utf-8"?>
+<p:notes xmlns:a="http://schemas.openxmlformats.org/drawingml/2006/main" xmlns:r="http://schemas.openxmlformats.org/officeDocument/2006/relationships" xmlns:p="http://schemas.openxmlformats.org/presentationml/2006/main">
+  <p:cSld>
+    <p:spTree>
+      <p:nvGrpSpPr>
+        <p:cNvPr id="1" name=""/>
+        <p:cNvGrpSpPr/>
+        <p:nvPr/>
+      </p:nvGrpSpPr>
+      <p:grpSpPr>
+        <a:xfrm>
+          <a:off x="0" y="0"/>
+          <a:ext cx="0" cy="0"/>
+          <a:chOff x="0" y="0"/>
+          <a:chExt cx="0" cy="0"/>
+        </a:xfrm>
+      </p:grpSpPr>
+      <p:sp>
+        <p:nvSpPr>
+          <p:cNvPr id="2" name="슬라이드 이미지 개체 틀 1"/>
+          <p:cNvSpPr>
+            <a:spLocks noGrp="1" noRot="1" noChangeAspect="1"/>
+          </p:cNvSpPr>
+          <p:nvPr>
+            <p:ph type="sldImg"/>
+          </p:nvPr>
+        </p:nvSpPr>
+        <p:spPr/>
+      </p:sp>
+      <p:sp>
+        <p:nvSpPr>
+          <p:cNvPr id="3" name="슬라이드 노트 개체 틀 2"/>
+          <p:cNvSpPr>
+            <a:spLocks noGrp="1"/>
+          </p:cNvSpPr>
+          <p:nvPr>
+            <p:ph type="body" idx="1"/>
+          </p:nvPr>
+        </p:nvSpPr>
+        <p:spPr/>
+        <p:txBody>
+          <a:bodyPr/>
+          <a:lstStyle/>
+          <a:p>
+            <a:pPr latinLnBrk="1"/>
+            <a:endParaRPr lang="ko-KR" altLang="ko-KR" sz="1200" kern="1200" dirty="0" smtClean="0">
+              <a:solidFill>
+                <a:schemeClr val="tx1"/>
+              </a:solidFill>
+              <a:effectLst/>
+              <a:latin typeface="+mn-lt"/>
+              <a:ea typeface="+mn-ea"/>
+              <a:cs typeface="+mn-cs"/>
+            </a:endParaRPr>
+          </a:p>
+        </p:txBody>
+      </p:sp>
+      <p:sp>
+        <p:nvSpPr>
+          <p:cNvPr id="4" name="슬라이드 번호 개체 틀 3"/>
+          <p:cNvSpPr>
+            <a:spLocks noGrp="1"/>
+          </p:cNvSpPr>
+          <p:nvPr>
+            <p:ph type="sldNum" sz="quarter" idx="10"/>
+          </p:nvPr>
+        </p:nvSpPr>
+        <p:spPr/>
+        <p:txBody>
+          <a:bodyPr/>
+          <a:lstStyle/>
+          <a:p>
+            <a:fld id="{CD348BE1-5D0F-4005-AE81-D395D83A6DE6}" type="slidenum">
+              <a:rPr lang="ko-KR" altLang="en-US" smtClean="0"/>
+              <a:t>8</a:t>
             </a:fld>
             <a:endParaRPr lang="ko-KR" altLang="en-US"/>
           </a:p>
@@ -4565,12 +4659,12 @@
               <a:t>A Reactive Online Optimization Based Whole Body </a:t>
             </a:r>
             <a:r>
-              <a:rPr lang="en-US" altLang="ko-KR" sz="4000" b="1" dirty="0" err="1"/>
-              <a:t>Contol</a:t>
+              <a:rPr lang="en-US" altLang="ko-KR" sz="4000" b="1" dirty="0" smtClean="0"/>
+              <a:t>Control </a:t>
             </a:r>
             <a:r>
               <a:rPr lang="en-US" altLang="ko-KR" sz="4000" b="1" dirty="0"/>
-              <a:t> for Quadruped Locomotion Over Challenging Terrain</a:t>
+              <a:t>for Quadruped Locomotion Over Challenging Terrain</a:t>
             </a:r>
             <a:endParaRPr lang="ko-KR" altLang="en-US" sz="4000" b="1" dirty="0"/>
           </a:p>
@@ -4990,8 +5084,12 @@
               <a:buAutoNum type="romanUcPeriod"/>
             </a:pPr>
             <a:r>
-              <a:rPr lang="en-US" altLang="ko-KR" sz="3200" dirty="0"/>
-              <a:t>Literature Review</a:t>
+              <a:rPr lang="en-US" altLang="ko-KR" sz="3200" dirty="0" smtClean="0"/>
+              <a:t>Research </a:t>
+            </a:r>
+            <a:r>
+              <a:rPr lang="en-US" altLang="ko-KR" sz="3200" dirty="0" smtClean="0"/>
+              <a:t>Topic</a:t>
             </a:r>
           </a:p>
           <a:p>
@@ -5003,8 +5101,8 @@
               <a:buAutoNum type="romanUcPeriod"/>
             </a:pPr>
             <a:r>
-              <a:rPr lang="en-US" altLang="ko-KR" sz="3200" dirty="0" smtClean="0"/>
-              <a:t>Research Topic</a:t>
+              <a:rPr lang="en-US" altLang="ko-KR" sz="3200" dirty="0"/>
+              <a:t>Literature Review</a:t>
             </a:r>
           </a:p>
           <a:p>
@@ -5017,7 +5115,11 @@
             </a:pPr>
             <a:r>
               <a:rPr lang="en-US" altLang="ko-KR" sz="3200" dirty="0" smtClean="0"/>
-              <a:t>Research Plan</a:t>
+              <a:t>Research </a:t>
+            </a:r>
+            <a:r>
+              <a:rPr lang="en-US" altLang="ko-KR" sz="3200" dirty="0" smtClean="0"/>
+              <a:t>Plan</a:t>
             </a:r>
           </a:p>
           <a:p>
@@ -5097,11 +5199,7 @@
           <a:p>
             <a:r>
               <a:rPr lang="en-US" altLang="ko-KR" sz="3000" dirty="0" smtClean="0"/>
-              <a:t>1</a:t>
-            </a:r>
-            <a:r>
-              <a:rPr lang="en-US" altLang="ko-KR" sz="3000" dirty="0" smtClean="0"/>
-              <a:t>. Research Topic</a:t>
+              <a:t>1. Research Topic</a:t>
             </a:r>
             <a:endParaRPr lang="ko-KR" altLang="en-US" sz="3000" dirty="0"/>
           </a:p>
@@ -5274,8 +5372,8 @@
             <a:chExt cx="4025168" cy="4151493"/>
           </a:xfrm>
         </p:grpSpPr>
-        <mc:AlternateContent xmlns:mc="http://schemas.openxmlformats.org/markup-compatibility/2006">
-          <mc:Choice xmlns:a14="http://schemas.microsoft.com/office/drawing/2010/main" Requires="a14">
+        <mc:AlternateContent xmlns:mc="http://schemas.openxmlformats.org/markup-compatibility/2006" xmlns:a14="http://schemas.microsoft.com/office/drawing/2010/main">
+          <mc:Choice Requires="a14">
             <p:sp>
               <p:nvSpPr>
                 <p:cNvPr id="6" name="TextBox 5"/>
@@ -5424,7 +5522,7 @@
               </p:txBody>
             </p:sp>
           </mc:Choice>
-          <mc:Fallback>
+          <mc:Fallback xmlns="">
             <p:sp>
               <p:nvSpPr>
                 <p:cNvPr id="6" name="TextBox 5"/>
@@ -5621,8 +5719,8 @@
             </a:p>
           </p:txBody>
         </p:sp>
-        <mc:AlternateContent xmlns:mc="http://schemas.openxmlformats.org/markup-compatibility/2006">
-          <mc:Choice xmlns:a14="http://schemas.microsoft.com/office/drawing/2010/main" Requires="a14">
+        <mc:AlternateContent xmlns:mc="http://schemas.openxmlformats.org/markup-compatibility/2006" xmlns:a14="http://schemas.microsoft.com/office/drawing/2010/main">
+          <mc:Choice Requires="a14">
             <p:sp>
               <p:nvSpPr>
                 <p:cNvPr id="11" name="TextBox 10"/>
@@ -5771,7 +5869,7 @@
               </p:txBody>
             </p:sp>
           </mc:Choice>
-          <mc:Fallback>
+          <mc:Fallback xmlns="">
             <p:sp>
               <p:nvSpPr>
                 <p:cNvPr id="11" name="TextBox 10"/>
@@ -5810,8 +5908,8 @@
             </p:sp>
           </mc:Fallback>
         </mc:AlternateContent>
-        <mc:AlternateContent xmlns:mc="http://schemas.openxmlformats.org/markup-compatibility/2006">
-          <mc:Choice xmlns:a14="http://schemas.microsoft.com/office/drawing/2010/main" Requires="a14">
+        <mc:AlternateContent xmlns:mc="http://schemas.openxmlformats.org/markup-compatibility/2006" xmlns:a14="http://schemas.microsoft.com/office/drawing/2010/main">
+          <mc:Choice Requires="a14">
             <p:sp>
               <p:nvSpPr>
                 <p:cNvPr id="12" name="TextBox 11"/>
@@ -5879,7 +5977,7 @@
               </p:txBody>
             </p:sp>
           </mc:Choice>
-          <mc:Fallback>
+          <mc:Fallback xmlns="">
             <p:sp>
               <p:nvSpPr>
                 <p:cNvPr id="12" name="TextBox 11"/>
@@ -6227,8 +6325,8 @@
             </a:fontRef>
           </p:style>
         </p:cxnSp>
-        <mc:AlternateContent xmlns:mc="http://schemas.openxmlformats.org/markup-compatibility/2006">
-          <mc:Choice xmlns:a14="http://schemas.microsoft.com/office/drawing/2010/main" Requires="a14">
+        <mc:AlternateContent xmlns:mc="http://schemas.openxmlformats.org/markup-compatibility/2006" xmlns:a14="http://schemas.microsoft.com/office/drawing/2010/main">
+          <mc:Choice Requires="a14">
             <p:sp>
               <p:nvSpPr>
                 <p:cNvPr id="26" name="TextBox 25"/>
@@ -6296,7 +6394,7 @@
               </p:txBody>
             </p:sp>
           </mc:Choice>
-          <mc:Fallback>
+          <mc:Fallback xmlns="">
             <p:sp>
               <p:nvSpPr>
                 <p:cNvPr id="26" name="TextBox 25"/>
@@ -7102,11 +7200,11 @@
   <p:clrMapOvr>
     <a:masterClrMapping/>
   </p:clrMapOvr>
-  <mc:AlternateContent xmlns:mc="http://schemas.openxmlformats.org/markup-compatibility/2006">
-    <mc:Choice xmlns:p14="http://schemas.microsoft.com/office/powerpoint/2010/main" Requires="p14">
+  <mc:AlternateContent xmlns:mc="http://schemas.openxmlformats.org/markup-compatibility/2006" xmlns:p14="http://schemas.microsoft.com/office/powerpoint/2010/main">
+    <mc:Choice Requires="p14">
       <p:transition p14:dur="0"/>
     </mc:Choice>
-    <mc:Fallback>
+    <mc:Fallback xmlns="">
       <p:transition/>
     </mc:Fallback>
   </mc:AlternateContent>
@@ -7250,17 +7348,195 @@
           <a:chExt cx="0" cy="0"/>
         </a:xfrm>
       </p:grpSpPr>
+      <p:sp>
+        <p:nvSpPr>
+          <p:cNvPr id="2" name="제목 1"/>
+          <p:cNvSpPr>
+            <a:spLocks noGrp="1"/>
+          </p:cNvSpPr>
+          <p:nvPr>
+            <p:ph type="title"/>
+          </p:nvPr>
+        </p:nvSpPr>
+        <p:spPr>
+          <a:xfrm>
+            <a:off x="171449" y="-20202"/>
+            <a:ext cx="8814610" cy="903501"/>
+          </a:xfrm>
+        </p:spPr>
+        <p:txBody>
+          <a:bodyPr>
+            <a:noAutofit/>
+          </a:bodyPr>
+          <a:lstStyle/>
+          <a:p>
+            <a:r>
+              <a:rPr lang="en-US" altLang="ko-KR" sz="3000" dirty="0" smtClean="0"/>
+              <a:t>1. Research Topic</a:t>
+            </a:r>
+            <a:endParaRPr lang="ko-KR" altLang="en-US" sz="3000" dirty="0"/>
+          </a:p>
+        </p:txBody>
+      </p:sp>
+      <p:sp>
+        <p:nvSpPr>
+          <p:cNvPr id="4" name="TextBox 3"/>
+          <p:cNvSpPr txBox="1"/>
+          <p:nvPr/>
+        </p:nvSpPr>
+        <p:spPr>
+          <a:xfrm>
+            <a:off x="1017142" y="1767155"/>
+            <a:ext cx="6965878" cy="923330"/>
+          </a:xfrm>
+          <a:prstGeom prst="rect">
+            <a:avLst/>
+          </a:prstGeom>
+          <a:noFill/>
+        </p:spPr>
+        <p:txBody>
+          <a:bodyPr wrap="square" rtlCol="0">
+            <a:spAutoFit/>
+          </a:bodyPr>
+          <a:lstStyle/>
+          <a:p>
+            <a:pPr marL="285750" indent="-285750">
+              <a:buFont typeface="Arial" panose="020B0604020202020204" pitchFamily="34" charset="0"/>
+              <a:buChar char="•"/>
+            </a:pPr>
+            <a:r>
+              <a:rPr lang="en-US" altLang="ko-KR" dirty="0" smtClean="0"/>
+              <a:t>Highly compliant</a:t>
+            </a:r>
+          </a:p>
+          <a:p>
+            <a:pPr marL="285750" indent="-285750">
+              <a:buFont typeface="Arial" panose="020B0604020202020204" pitchFamily="34" charset="0"/>
+              <a:buChar char="•"/>
+            </a:pPr>
+            <a:r>
+              <a:rPr lang="en-US" altLang="ko-KR" dirty="0" smtClean="0"/>
+              <a:t>Robustness against disturbance</a:t>
+            </a:r>
+          </a:p>
+          <a:p>
+            <a:pPr marL="285750" indent="-285750">
+              <a:buFont typeface="Arial" panose="020B0604020202020204" pitchFamily="34" charset="0"/>
+              <a:buChar char="•"/>
+            </a:pPr>
+            <a:r>
+              <a:rPr lang="en-US" altLang="ko-KR" dirty="0" smtClean="0"/>
+              <a:t>Energy efficient</a:t>
+            </a:r>
+            <a:endParaRPr lang="ko-KR" altLang="en-US" dirty="0"/>
+          </a:p>
+        </p:txBody>
+      </p:sp>
+      <p:sp>
+        <p:nvSpPr>
+          <p:cNvPr id="41" name="TextBox 40"/>
+          <p:cNvSpPr txBox="1"/>
+          <p:nvPr/>
+        </p:nvSpPr>
+        <p:spPr>
+          <a:xfrm>
+            <a:off x="4109664" y="3863083"/>
+            <a:ext cx="2630184" cy="369332"/>
+          </a:xfrm>
+          <a:prstGeom prst="rect">
+            <a:avLst/>
+          </a:prstGeom>
+          <a:noFill/>
+        </p:spPr>
+        <p:txBody>
+          <a:bodyPr wrap="square" rtlCol="0">
+            <a:spAutoFit/>
+          </a:bodyPr>
+          <a:lstStyle/>
+          <a:p>
+            <a:r>
+              <a:rPr lang="en-US" altLang="ko-KR" dirty="0" smtClean="0"/>
+              <a:t>Robot Control Framework</a:t>
+            </a:r>
+            <a:endParaRPr lang="ko-KR" altLang="en-US" dirty="0"/>
+          </a:p>
+        </p:txBody>
+      </p:sp>
+    </p:spTree>
+    <p:extLst>
+      <p:ext uri="{BB962C8B-B14F-4D97-AF65-F5344CB8AC3E}">
+        <p14:creationId xmlns:p14="http://schemas.microsoft.com/office/powerpoint/2010/main" val="1473993433"/>
+      </p:ext>
+    </p:extLst>
+  </p:cSld>
+  <p:clrMapOvr>
+    <a:masterClrMapping/>
+  </p:clrMapOvr>
+  <mc:AlternateContent xmlns:mc="http://schemas.openxmlformats.org/markup-compatibility/2006" xmlns:p14="http://schemas.microsoft.com/office/powerpoint/2010/main">
+    <mc:Choice Requires="p14">
+      <p:transition p14:dur="0"/>
+    </mc:Choice>
+    <mc:Fallback xmlns="">
+      <p:transition/>
+    </mc:Fallback>
+  </mc:AlternateContent>
+  <p:timing>
+    <p:tnLst>
+      <p:par>
+        <p:cTn id="1" dur="indefinite" restart="never" nodeType="tmRoot">
+          <p:childTnLst>
+            <p:par>
+              <p:cTn id="2"/>
+            </p:par>
+            <p:par>
+              <p:cTn id="3"/>
+            </p:par>
+            <p:par>
+              <p:cTn id="4"/>
+            </p:par>
+            <p:par>
+              <p:cTn id="5"/>
+            </p:par>
+            <p:par>
+              <p:cTn id="6"/>
+            </p:par>
+            <p:par>
+              <p:cTn id="7"/>
+            </p:par>
+          </p:childTnLst>
+        </p:cTn>
+      </p:par>
+    </p:tnLst>
+  </p:timing>
+</p:sld>
+</file>
+
+<file path=ppt/slides/slide5.xml><?xml version="1.0" encoding="utf-8"?>
+<p:sld xmlns:a="http://schemas.openxmlformats.org/drawingml/2006/main" xmlns:r="http://schemas.openxmlformats.org/officeDocument/2006/relationships" xmlns:p="http://schemas.openxmlformats.org/presentationml/2006/main">
+  <p:cSld>
+    <p:spTree>
+      <p:nvGrpSpPr>
+        <p:cNvPr id="1" name=""/>
+        <p:cNvGrpSpPr/>
+        <p:nvPr/>
+      </p:nvGrpSpPr>
+      <p:grpSpPr>
+        <a:xfrm>
+          <a:off x="0" y="0"/>
+          <a:ext cx="0" cy="0"/>
+          <a:chOff x="0" y="0"/>
+          <a:chExt cx="0" cy="0"/>
+        </a:xfrm>
+      </p:grpSpPr>
       <p:cxnSp>
         <p:nvCxnSpPr>
           <p:cNvPr id="41" name="직선 화살표 연결선 40"/>
-          <p:cNvCxnSpPr>
-            <a:stCxn id="9" idx="3"/>
-          </p:cNvCxnSpPr>
+          <p:cNvCxnSpPr/>
           <p:nvPr/>
         </p:nvCxnSpPr>
         <p:spPr>
           <a:xfrm>
-            <a:off x="4117019" y="1904014"/>
+            <a:off x="4132035" y="2539343"/>
             <a:ext cx="902453" cy="0"/>
           </a:xfrm>
           <a:prstGeom prst="straightConnector1">
@@ -7296,7 +7572,7 @@
         </p:nvCxnSpPr>
         <p:spPr>
           <a:xfrm>
-            <a:off x="4122826" y="4948583"/>
+            <a:off x="4122826" y="5585579"/>
             <a:ext cx="902453" cy="0"/>
           </a:xfrm>
           <a:prstGeom prst="straightConnector1">
@@ -7332,7 +7608,7 @@
         </p:nvCxnSpPr>
         <p:spPr>
           <a:xfrm>
-            <a:off x="4124527" y="3429000"/>
+            <a:off x="4124527" y="4065996"/>
             <a:ext cx="902453" cy="0"/>
           </a:xfrm>
           <a:prstGeom prst="straightConnector1">
@@ -7384,269 +7660,104 @@
           <a:p>
             <a:r>
               <a:rPr lang="en-US" altLang="ko-KR" sz="3000" dirty="0" smtClean="0"/>
-              <a:t>1</a:t>
-            </a:r>
-            <a:r>
-              <a:rPr lang="en-US" altLang="ko-KR" sz="3000" dirty="0" smtClean="0"/>
-              <a:t>. Research Topic</a:t>
+              <a:t>1. Research Topic</a:t>
             </a:r>
             <a:endParaRPr lang="ko-KR" altLang="en-US" sz="3000" dirty="0"/>
           </a:p>
         </p:txBody>
       </p:sp>
-      <p:sp>
-        <p:nvSpPr>
-          <p:cNvPr id="7" name="직사각형 6"/>
-          <p:cNvSpPr/>
-          <p:nvPr/>
-        </p:nvSpPr>
-        <p:spPr>
-          <a:xfrm>
-            <a:off x="2612111" y="4756526"/>
-            <a:ext cx="679481" cy="369332"/>
-          </a:xfrm>
-          <a:prstGeom prst="rect">
-            <a:avLst/>
-          </a:prstGeom>
-        </p:spPr>
-        <p:txBody>
-          <a:bodyPr wrap="none">
-            <a:spAutoFit/>
-          </a:bodyPr>
-          <a:lstStyle/>
-          <a:p>
-            <a:r>
-              <a:rPr lang="en-US" altLang="ko-KR" b="1" dirty="0" smtClean="0"/>
-              <a:t>Plant</a:t>
-            </a:r>
-            <a:endParaRPr lang="ko-KR" altLang="en-US" dirty="0"/>
-          </a:p>
-        </p:txBody>
-      </p:sp>
-      <p:sp>
-        <p:nvSpPr>
-          <p:cNvPr id="8" name="직사각형 7"/>
-          <p:cNvSpPr/>
-          <p:nvPr/>
-        </p:nvSpPr>
-        <p:spPr>
-          <a:xfrm>
-            <a:off x="1781144" y="4646092"/>
-            <a:ext cx="2326332" cy="590400"/>
-          </a:xfrm>
-          <a:prstGeom prst="rect">
-            <a:avLst/>
-          </a:prstGeom>
-          <a:noFill/>
-          <a:ln w="28575"/>
-        </p:spPr>
-        <p:style>
-          <a:lnRef idx="2">
-            <a:schemeClr val="dk1"/>
-          </a:lnRef>
-          <a:fillRef idx="1">
-            <a:schemeClr val="lt1"/>
-          </a:fillRef>
-          <a:effectRef idx="0">
-            <a:schemeClr val="dk1"/>
-          </a:effectRef>
-          <a:fontRef idx="minor">
-            <a:schemeClr val="dk1"/>
-          </a:fontRef>
-        </p:style>
-        <p:txBody>
-          <a:bodyPr rtlCol="0" anchor="ctr"/>
-          <a:lstStyle/>
-          <a:p>
-            <a:pPr algn="ctr"/>
-            <a:endParaRPr lang="ko-KR" altLang="en-US"/>
-          </a:p>
-        </p:txBody>
-      </p:sp>
-      <p:sp>
-        <p:nvSpPr>
-          <p:cNvPr id="9" name="직사각형 8"/>
-          <p:cNvSpPr/>
-          <p:nvPr/>
-        </p:nvSpPr>
-        <p:spPr>
-          <a:xfrm>
-            <a:off x="1781143" y="1608912"/>
-            <a:ext cx="2335876" cy="590203"/>
-          </a:xfrm>
-          <a:prstGeom prst="rect">
-            <a:avLst/>
-          </a:prstGeom>
-          <a:ln w="28575"/>
-        </p:spPr>
-        <p:style>
-          <a:lnRef idx="2">
-            <a:schemeClr val="dk1"/>
-          </a:lnRef>
-          <a:fillRef idx="1">
-            <a:schemeClr val="lt1"/>
-          </a:fillRef>
-          <a:effectRef idx="0">
-            <a:schemeClr val="dk1"/>
-          </a:effectRef>
-          <a:fontRef idx="minor">
-            <a:schemeClr val="dk1"/>
-          </a:fontRef>
-        </p:style>
-        <p:txBody>
-          <a:bodyPr rtlCol="0" anchor="ctr"/>
-          <a:lstStyle/>
-          <a:p>
-            <a:pPr algn="ctr"/>
-            <a:r>
-              <a:rPr lang="en-US" altLang="ko-KR" b="1" dirty="0" smtClean="0">
-                <a:solidFill>
-                  <a:schemeClr val="tx1"/>
-                </a:solidFill>
-              </a:rPr>
-              <a:t>High-level controller</a:t>
-            </a:r>
-            <a:endParaRPr lang="ko-KR" altLang="en-US" b="1" dirty="0">
-              <a:solidFill>
-                <a:schemeClr val="tx1"/>
-              </a:solidFill>
-            </a:endParaRPr>
-          </a:p>
-        </p:txBody>
-      </p:sp>
-      <p:sp>
-        <p:nvSpPr>
-          <p:cNvPr id="10" name="아래쪽 화살표 9"/>
-          <p:cNvSpPr/>
-          <p:nvPr/>
-        </p:nvSpPr>
-        <p:spPr>
-          <a:xfrm>
-            <a:off x="2753732" y="2204195"/>
-            <a:ext cx="390698" cy="918164"/>
-          </a:xfrm>
-          <a:prstGeom prst="downArrow">
-            <a:avLst/>
-          </a:prstGeom>
-        </p:spPr>
-        <p:style>
-          <a:lnRef idx="2">
-            <a:schemeClr val="dk1"/>
-          </a:lnRef>
-          <a:fillRef idx="1">
-            <a:schemeClr val="lt1"/>
-          </a:fillRef>
-          <a:effectRef idx="0">
-            <a:schemeClr val="dk1"/>
-          </a:effectRef>
-          <a:fontRef idx="minor">
-            <a:schemeClr val="dk1"/>
-          </a:fontRef>
-        </p:style>
-        <p:txBody>
-          <a:bodyPr rtlCol="0" anchor="ctr"/>
-          <a:lstStyle/>
-          <a:p>
-            <a:pPr algn="ctr"/>
-            <a:endParaRPr lang="ko-KR" altLang="en-US"/>
-          </a:p>
-        </p:txBody>
-      </p:sp>
-      <p:cxnSp>
-        <p:nvCxnSpPr>
-          <p:cNvPr id="13" name="직선 연결선 12"/>
-          <p:cNvCxnSpPr>
-            <a:stCxn id="8" idx="2"/>
-          </p:cNvCxnSpPr>
-          <p:nvPr/>
-        </p:nvCxnSpPr>
-        <p:spPr>
-          <a:xfrm flipH="1">
-            <a:off x="2949081" y="5241260"/>
-            <a:ext cx="5542" cy="251706"/>
-          </a:xfrm>
-          <a:prstGeom prst="line">
-            <a:avLst/>
-          </a:prstGeom>
-          <a:ln w="28575">
-            <a:solidFill>
-              <a:schemeClr val="tx1"/>
-            </a:solidFill>
-          </a:ln>
-        </p:spPr>
-        <p:style>
-          <a:lnRef idx="1">
-            <a:schemeClr val="dk1"/>
-          </a:lnRef>
-          <a:fillRef idx="0">
-            <a:schemeClr val="dk1"/>
-          </a:fillRef>
-          <a:effectRef idx="0">
-            <a:schemeClr val="dk1"/>
-          </a:effectRef>
-          <a:fontRef idx="minor">
-            <a:schemeClr val="tx1"/>
-          </a:fontRef>
-        </p:style>
-      </p:cxnSp>
-      <p:cxnSp>
-        <p:nvCxnSpPr>
-          <p:cNvPr id="14" name="직선 연결선 13"/>
-          <p:cNvCxnSpPr/>
-          <p:nvPr/>
-        </p:nvCxnSpPr>
-        <p:spPr>
-          <a:xfrm flipH="1">
-            <a:off x="876883" y="5492966"/>
-            <a:ext cx="2072198" cy="0"/>
-          </a:xfrm>
-          <a:prstGeom prst="line">
-            <a:avLst/>
-          </a:prstGeom>
-          <a:ln w="28575">
-            <a:solidFill>
-              <a:schemeClr val="tx1"/>
-            </a:solidFill>
-          </a:ln>
-        </p:spPr>
-        <p:style>
-          <a:lnRef idx="1">
-            <a:schemeClr val="dk1"/>
-          </a:lnRef>
-          <a:fillRef idx="0">
-            <a:schemeClr val="dk1"/>
-          </a:fillRef>
-          <a:effectRef idx="0">
-            <a:schemeClr val="dk1"/>
-          </a:effectRef>
-          <a:fontRef idx="minor">
-            <a:schemeClr val="tx1"/>
-          </a:fontRef>
-        </p:style>
-      </p:cxnSp>
       <p:grpSp>
         <p:nvGrpSpPr>
-          <p:cNvPr id="19" name="그룹 18"/>
+          <p:cNvPr id="3" name="그룹 2"/>
           <p:cNvGrpSpPr/>
           <p:nvPr/>
         </p:nvGrpSpPr>
         <p:grpSpPr>
           <a:xfrm>
-            <a:off x="1781143" y="3127502"/>
-            <a:ext cx="2335876" cy="590203"/>
-            <a:chOff x="1781143" y="3167012"/>
-            <a:chExt cx="2335876" cy="590203"/>
+            <a:off x="874703" y="2245908"/>
+            <a:ext cx="3242316" cy="3884055"/>
+            <a:chOff x="874703" y="1608912"/>
+            <a:chExt cx="3242316" cy="3884055"/>
           </a:xfrm>
         </p:grpSpPr>
         <p:sp>
           <p:nvSpPr>
-            <p:cNvPr id="20" name="직사각형 19"/>
+            <p:cNvPr id="7" name="직사각형 6"/>
             <p:cNvSpPr/>
             <p:nvPr/>
           </p:nvSpPr>
           <p:spPr>
             <a:xfrm>
-              <a:off x="1781143" y="3167012"/>
+              <a:off x="2612111" y="4756526"/>
+              <a:ext cx="679481" cy="369332"/>
+            </a:xfrm>
+            <a:prstGeom prst="rect">
+              <a:avLst/>
+            </a:prstGeom>
+          </p:spPr>
+          <p:txBody>
+            <a:bodyPr wrap="none">
+              <a:spAutoFit/>
+            </a:bodyPr>
+            <a:lstStyle/>
+            <a:p>
+              <a:r>
+                <a:rPr lang="en-US" altLang="ko-KR" b="1" dirty="0" smtClean="0"/>
+                <a:t>Plant</a:t>
+              </a:r>
+              <a:endParaRPr lang="ko-KR" altLang="en-US" dirty="0"/>
+            </a:p>
+          </p:txBody>
+        </p:sp>
+        <p:sp>
+          <p:nvSpPr>
+            <p:cNvPr id="8" name="직사각형 7"/>
+            <p:cNvSpPr/>
+            <p:nvPr/>
+          </p:nvSpPr>
+          <p:spPr>
+            <a:xfrm>
+              <a:off x="1781144" y="4646092"/>
+              <a:ext cx="2326332" cy="590400"/>
+            </a:xfrm>
+            <a:prstGeom prst="rect">
+              <a:avLst/>
+            </a:prstGeom>
+            <a:noFill/>
+            <a:ln w="28575"/>
+          </p:spPr>
+          <p:style>
+            <a:lnRef idx="2">
+              <a:schemeClr val="dk1"/>
+            </a:lnRef>
+            <a:fillRef idx="1">
+              <a:schemeClr val="lt1"/>
+            </a:fillRef>
+            <a:effectRef idx="0">
+              <a:schemeClr val="dk1"/>
+            </a:effectRef>
+            <a:fontRef idx="minor">
+              <a:schemeClr val="dk1"/>
+            </a:fontRef>
+          </p:style>
+          <p:txBody>
+            <a:bodyPr rtlCol="0" anchor="ctr"/>
+            <a:lstStyle/>
+            <a:p>
+              <a:pPr algn="ctr"/>
+              <a:endParaRPr lang="ko-KR" altLang="en-US"/>
+            </a:p>
+          </p:txBody>
+        </p:sp>
+        <p:sp>
+          <p:nvSpPr>
+            <p:cNvPr id="9" name="직사각형 8"/>
+            <p:cNvSpPr/>
+            <p:nvPr/>
+          </p:nvSpPr>
+          <p:spPr>
+            <a:xfrm>
+              <a:off x="1781143" y="1608912"/>
               <a:ext cx="2335876" cy="590203"/>
             </a:xfrm>
             <a:prstGeom prst="rect">
@@ -7673,190 +7784,366 @@
             <a:lstStyle/>
             <a:p>
               <a:pPr algn="ctr"/>
-              <a:endParaRPr lang="ko-KR" altLang="en-US" b="1" dirty="0"/>
+              <a:r>
+                <a:rPr lang="en-US" altLang="ko-KR" b="1" dirty="0" smtClean="0">
+                  <a:solidFill>
+                    <a:schemeClr val="tx1"/>
+                  </a:solidFill>
+                </a:rPr>
+                <a:t>High-level controller</a:t>
+              </a:r>
+              <a:endParaRPr lang="ko-KR" altLang="en-US" b="1" dirty="0">
+                <a:solidFill>
+                  <a:schemeClr val="tx1"/>
+                </a:solidFill>
+              </a:endParaRPr>
             </a:p>
           </p:txBody>
         </p:sp>
         <p:sp>
           <p:nvSpPr>
-            <p:cNvPr id="21" name="직사각형 20"/>
+            <p:cNvPr id="10" name="아래쪽 화살표 9"/>
             <p:cNvSpPr/>
             <p:nvPr/>
           </p:nvSpPr>
           <p:spPr>
             <a:xfrm>
-              <a:off x="1913863" y="3279815"/>
-              <a:ext cx="2080826" cy="369332"/>
+              <a:off x="2753732" y="2204195"/>
+              <a:ext cx="390698" cy="918164"/>
             </a:xfrm>
-            <a:prstGeom prst="rect">
+            <a:prstGeom prst="downArrow">
               <a:avLst/>
             </a:prstGeom>
           </p:spPr>
+          <p:style>
+            <a:lnRef idx="2">
+              <a:schemeClr val="dk1"/>
+            </a:lnRef>
+            <a:fillRef idx="1">
+              <a:schemeClr val="lt1"/>
+            </a:fillRef>
+            <a:effectRef idx="0">
+              <a:schemeClr val="dk1"/>
+            </a:effectRef>
+            <a:fontRef idx="minor">
+              <a:schemeClr val="dk1"/>
+            </a:fontRef>
+          </p:style>
           <p:txBody>
-            <a:bodyPr wrap="none">
-              <a:spAutoFit/>
-            </a:bodyPr>
+            <a:bodyPr rtlCol="0" anchor="ctr"/>
             <a:lstStyle/>
             <a:p>
               <a:pPr algn="ctr"/>
-              <a:r>
-                <a:rPr lang="en-US" altLang="ko-KR" b="1" dirty="0" smtClean="0"/>
-                <a:t>Low-level </a:t>
-              </a:r>
-              <a:r>
-                <a:rPr lang="en-US" altLang="ko-KR" b="1" dirty="0"/>
-                <a:t>controller</a:t>
-              </a:r>
-              <a:endParaRPr lang="ko-KR" altLang="en-US" b="1" dirty="0"/>
+              <a:endParaRPr lang="ko-KR" altLang="en-US"/>
             </a:p>
           </p:txBody>
         </p:sp>
+        <p:cxnSp>
+          <p:nvCxnSpPr>
+            <p:cNvPr id="13" name="직선 연결선 12"/>
+            <p:cNvCxnSpPr>
+              <a:stCxn id="8" idx="2"/>
+            </p:cNvCxnSpPr>
+            <p:nvPr/>
+          </p:nvCxnSpPr>
+          <p:spPr>
+            <a:xfrm flipH="1">
+              <a:off x="2949081" y="5241260"/>
+              <a:ext cx="5542" cy="251706"/>
+            </a:xfrm>
+            <a:prstGeom prst="line">
+              <a:avLst/>
+            </a:prstGeom>
+            <a:ln w="28575">
+              <a:solidFill>
+                <a:schemeClr val="tx1"/>
+              </a:solidFill>
+            </a:ln>
+          </p:spPr>
+          <p:style>
+            <a:lnRef idx="1">
+              <a:schemeClr val="dk1"/>
+            </a:lnRef>
+            <a:fillRef idx="0">
+              <a:schemeClr val="dk1"/>
+            </a:fillRef>
+            <a:effectRef idx="0">
+              <a:schemeClr val="dk1"/>
+            </a:effectRef>
+            <a:fontRef idx="minor">
+              <a:schemeClr val="tx1"/>
+            </a:fontRef>
+          </p:style>
+        </p:cxnSp>
+        <p:cxnSp>
+          <p:nvCxnSpPr>
+            <p:cNvPr id="14" name="직선 연결선 13"/>
+            <p:cNvCxnSpPr/>
+            <p:nvPr/>
+          </p:nvCxnSpPr>
+          <p:spPr>
+            <a:xfrm flipH="1">
+              <a:off x="876883" y="5492966"/>
+              <a:ext cx="2072198" cy="0"/>
+            </a:xfrm>
+            <a:prstGeom prst="line">
+              <a:avLst/>
+            </a:prstGeom>
+            <a:ln w="28575">
+              <a:solidFill>
+                <a:schemeClr val="tx1"/>
+              </a:solidFill>
+            </a:ln>
+          </p:spPr>
+          <p:style>
+            <a:lnRef idx="1">
+              <a:schemeClr val="dk1"/>
+            </a:lnRef>
+            <a:fillRef idx="0">
+              <a:schemeClr val="dk1"/>
+            </a:fillRef>
+            <a:effectRef idx="0">
+              <a:schemeClr val="dk1"/>
+            </a:effectRef>
+            <a:fontRef idx="minor">
+              <a:schemeClr val="tx1"/>
+            </a:fontRef>
+          </p:style>
+        </p:cxnSp>
+        <p:grpSp>
+          <p:nvGrpSpPr>
+            <p:cNvPr id="19" name="그룹 18"/>
+            <p:cNvGrpSpPr/>
+            <p:nvPr/>
+          </p:nvGrpSpPr>
+          <p:grpSpPr>
+            <a:xfrm>
+              <a:off x="1781143" y="3127502"/>
+              <a:ext cx="2335876" cy="590203"/>
+              <a:chOff x="1781143" y="3167012"/>
+              <a:chExt cx="2335876" cy="590203"/>
+            </a:xfrm>
+          </p:grpSpPr>
+          <p:sp>
+            <p:nvSpPr>
+              <p:cNvPr id="20" name="직사각형 19"/>
+              <p:cNvSpPr/>
+              <p:nvPr/>
+            </p:nvSpPr>
+            <p:spPr>
+              <a:xfrm>
+                <a:off x="1781143" y="3167012"/>
+                <a:ext cx="2335876" cy="590203"/>
+              </a:xfrm>
+              <a:prstGeom prst="rect">
+                <a:avLst/>
+              </a:prstGeom>
+              <a:ln w="28575"/>
+            </p:spPr>
+            <p:style>
+              <a:lnRef idx="2">
+                <a:schemeClr val="dk1"/>
+              </a:lnRef>
+              <a:fillRef idx="1">
+                <a:schemeClr val="lt1"/>
+              </a:fillRef>
+              <a:effectRef idx="0">
+                <a:schemeClr val="dk1"/>
+              </a:effectRef>
+              <a:fontRef idx="minor">
+                <a:schemeClr val="dk1"/>
+              </a:fontRef>
+            </p:style>
+            <p:txBody>
+              <a:bodyPr rtlCol="0" anchor="ctr"/>
+              <a:lstStyle/>
+              <a:p>
+                <a:pPr algn="ctr"/>
+                <a:endParaRPr lang="ko-KR" altLang="en-US" b="1" dirty="0"/>
+              </a:p>
+            </p:txBody>
+          </p:sp>
+          <p:sp>
+            <p:nvSpPr>
+              <p:cNvPr id="21" name="직사각형 20"/>
+              <p:cNvSpPr/>
+              <p:nvPr/>
+            </p:nvSpPr>
+            <p:spPr>
+              <a:xfrm>
+                <a:off x="1913863" y="3279815"/>
+                <a:ext cx="2080826" cy="369332"/>
+              </a:xfrm>
+              <a:prstGeom prst="rect">
+                <a:avLst/>
+              </a:prstGeom>
+            </p:spPr>
+            <p:txBody>
+              <a:bodyPr wrap="none">
+                <a:spAutoFit/>
+              </a:bodyPr>
+              <a:lstStyle/>
+              <a:p>
+                <a:pPr algn="ctr"/>
+                <a:r>
+                  <a:rPr lang="en-US" altLang="ko-KR" b="1" dirty="0" smtClean="0"/>
+                  <a:t>Low-level </a:t>
+                </a:r>
+                <a:r>
+                  <a:rPr lang="en-US" altLang="ko-KR" b="1" dirty="0"/>
+                  <a:t>controller</a:t>
+                </a:r>
+                <a:endParaRPr lang="ko-KR" altLang="en-US" b="1" dirty="0"/>
+              </a:p>
+            </p:txBody>
+          </p:sp>
+        </p:grpSp>
+        <p:sp>
+          <p:nvSpPr>
+            <p:cNvPr id="22" name="아래쪽 화살표 21"/>
+            <p:cNvSpPr/>
+            <p:nvPr/>
+          </p:nvSpPr>
+          <p:spPr>
+            <a:xfrm>
+              <a:off x="2748962" y="3722848"/>
+              <a:ext cx="390698" cy="918476"/>
+            </a:xfrm>
+            <a:prstGeom prst="downArrow">
+              <a:avLst/>
+            </a:prstGeom>
+          </p:spPr>
+          <p:style>
+            <a:lnRef idx="2">
+              <a:schemeClr val="dk1"/>
+            </a:lnRef>
+            <a:fillRef idx="1">
+              <a:schemeClr val="lt1"/>
+            </a:fillRef>
+            <a:effectRef idx="0">
+              <a:schemeClr val="dk1"/>
+            </a:effectRef>
+            <a:fontRef idx="minor">
+              <a:schemeClr val="dk1"/>
+            </a:fontRef>
+          </p:style>
+          <p:txBody>
+            <a:bodyPr rtlCol="0" anchor="ctr"/>
+            <a:lstStyle/>
+            <a:p>
+              <a:pPr algn="ctr"/>
+              <a:endParaRPr lang="ko-KR" altLang="en-US"/>
+            </a:p>
+          </p:txBody>
+        </p:sp>
+        <p:cxnSp>
+          <p:nvCxnSpPr>
+            <p:cNvPr id="23" name="직선 화살표 연결선 22"/>
+            <p:cNvCxnSpPr/>
+            <p:nvPr/>
+          </p:nvCxnSpPr>
+          <p:spPr>
+            <a:xfrm>
+              <a:off x="874703" y="1899052"/>
+              <a:ext cx="906440" cy="3756"/>
+            </a:xfrm>
+            <a:prstGeom prst="straightConnector1">
+              <a:avLst/>
+            </a:prstGeom>
+            <a:ln w="28575">
+              <a:solidFill>
+                <a:schemeClr val="tx1"/>
+              </a:solidFill>
+              <a:tailEnd type="triangle"/>
+            </a:ln>
+          </p:spPr>
+          <p:style>
+            <a:lnRef idx="1">
+              <a:schemeClr val="accent1"/>
+            </a:lnRef>
+            <a:fillRef idx="0">
+              <a:schemeClr val="accent1"/>
+            </a:fillRef>
+            <a:effectRef idx="0">
+              <a:schemeClr val="accent1"/>
+            </a:effectRef>
+            <a:fontRef idx="minor">
+              <a:schemeClr val="tx1"/>
+            </a:fontRef>
+          </p:style>
+        </p:cxnSp>
+        <p:cxnSp>
+          <p:nvCxnSpPr>
+            <p:cNvPr id="24" name="직선 화살표 연결선 23"/>
+            <p:cNvCxnSpPr/>
+            <p:nvPr/>
+          </p:nvCxnSpPr>
+          <p:spPr>
+            <a:xfrm>
+              <a:off x="874703" y="3434908"/>
+              <a:ext cx="906440" cy="0"/>
+            </a:xfrm>
+            <a:prstGeom prst="straightConnector1">
+              <a:avLst/>
+            </a:prstGeom>
+            <a:ln w="28575">
+              <a:solidFill>
+                <a:schemeClr val="tx1"/>
+              </a:solidFill>
+              <a:tailEnd type="triangle"/>
+            </a:ln>
+          </p:spPr>
+          <p:style>
+            <a:lnRef idx="1">
+              <a:schemeClr val="accent1"/>
+            </a:lnRef>
+            <a:fillRef idx="0">
+              <a:schemeClr val="accent1"/>
+            </a:fillRef>
+            <a:effectRef idx="0">
+              <a:schemeClr val="accent1"/>
+            </a:effectRef>
+            <a:fontRef idx="minor">
+              <a:schemeClr val="tx1"/>
+            </a:fontRef>
+          </p:style>
+        </p:cxnSp>
+        <p:cxnSp>
+          <p:nvCxnSpPr>
+            <p:cNvPr id="25" name="직선 연결선 24"/>
+            <p:cNvCxnSpPr/>
+            <p:nvPr/>
+          </p:nvCxnSpPr>
+          <p:spPr>
+            <a:xfrm flipV="1">
+              <a:off x="874703" y="1899052"/>
+              <a:ext cx="0" cy="3593915"/>
+            </a:xfrm>
+            <a:prstGeom prst="line">
+              <a:avLst/>
+            </a:prstGeom>
+            <a:ln w="28575">
+              <a:solidFill>
+                <a:schemeClr val="tx1"/>
+              </a:solidFill>
+            </a:ln>
+          </p:spPr>
+          <p:style>
+            <a:lnRef idx="1">
+              <a:schemeClr val="accent1"/>
+            </a:lnRef>
+            <a:fillRef idx="0">
+              <a:schemeClr val="accent1"/>
+            </a:fillRef>
+            <a:effectRef idx="0">
+              <a:schemeClr val="accent1"/>
+            </a:effectRef>
+            <a:fontRef idx="minor">
+              <a:schemeClr val="tx1"/>
+            </a:fontRef>
+          </p:style>
+        </p:cxnSp>
       </p:grpSp>
-      <p:sp>
-        <p:nvSpPr>
-          <p:cNvPr id="22" name="아래쪽 화살표 21"/>
-          <p:cNvSpPr/>
-          <p:nvPr/>
-        </p:nvSpPr>
-        <p:spPr>
-          <a:xfrm>
-            <a:off x="2748962" y="3722848"/>
-            <a:ext cx="390698" cy="918476"/>
-          </a:xfrm>
-          <a:prstGeom prst="downArrow">
-            <a:avLst/>
-          </a:prstGeom>
-        </p:spPr>
-        <p:style>
-          <a:lnRef idx="2">
-            <a:schemeClr val="dk1"/>
-          </a:lnRef>
-          <a:fillRef idx="1">
-            <a:schemeClr val="lt1"/>
-          </a:fillRef>
-          <a:effectRef idx="0">
-            <a:schemeClr val="dk1"/>
-          </a:effectRef>
-          <a:fontRef idx="minor">
-            <a:schemeClr val="dk1"/>
-          </a:fontRef>
-        </p:style>
-        <p:txBody>
-          <a:bodyPr rtlCol="0" anchor="ctr"/>
-          <a:lstStyle/>
-          <a:p>
-            <a:pPr algn="ctr"/>
-            <a:endParaRPr lang="ko-KR" altLang="en-US"/>
-          </a:p>
-        </p:txBody>
-      </p:sp>
-      <p:cxnSp>
-        <p:nvCxnSpPr>
-          <p:cNvPr id="23" name="직선 화살표 연결선 22"/>
-          <p:cNvCxnSpPr/>
-          <p:nvPr/>
-        </p:nvCxnSpPr>
-        <p:spPr>
-          <a:xfrm>
-            <a:off x="874703" y="1899052"/>
-            <a:ext cx="906440" cy="3756"/>
-          </a:xfrm>
-          <a:prstGeom prst="straightConnector1">
-            <a:avLst/>
-          </a:prstGeom>
-          <a:ln w="28575">
-            <a:solidFill>
-              <a:schemeClr val="tx1"/>
-            </a:solidFill>
-            <a:tailEnd type="triangle"/>
-          </a:ln>
-        </p:spPr>
-        <p:style>
-          <a:lnRef idx="1">
-            <a:schemeClr val="accent1"/>
-          </a:lnRef>
-          <a:fillRef idx="0">
-            <a:schemeClr val="accent1"/>
-          </a:fillRef>
-          <a:effectRef idx="0">
-            <a:schemeClr val="accent1"/>
-          </a:effectRef>
-          <a:fontRef idx="minor">
-            <a:schemeClr val="tx1"/>
-          </a:fontRef>
-        </p:style>
-      </p:cxnSp>
-      <p:cxnSp>
-        <p:nvCxnSpPr>
-          <p:cNvPr id="24" name="직선 화살표 연결선 23"/>
-          <p:cNvCxnSpPr/>
-          <p:nvPr/>
-        </p:nvCxnSpPr>
-        <p:spPr>
-          <a:xfrm>
-            <a:off x="874703" y="3434908"/>
-            <a:ext cx="906440" cy="0"/>
-          </a:xfrm>
-          <a:prstGeom prst="straightConnector1">
-            <a:avLst/>
-          </a:prstGeom>
-          <a:ln w="28575">
-            <a:solidFill>
-              <a:schemeClr val="tx1"/>
-            </a:solidFill>
-            <a:tailEnd type="triangle"/>
-          </a:ln>
-        </p:spPr>
-        <p:style>
-          <a:lnRef idx="1">
-            <a:schemeClr val="accent1"/>
-          </a:lnRef>
-          <a:fillRef idx="0">
-            <a:schemeClr val="accent1"/>
-          </a:fillRef>
-          <a:effectRef idx="0">
-            <a:schemeClr val="accent1"/>
-          </a:effectRef>
-          <a:fontRef idx="minor">
-            <a:schemeClr val="tx1"/>
-          </a:fontRef>
-        </p:style>
-      </p:cxnSp>
-      <p:cxnSp>
-        <p:nvCxnSpPr>
-          <p:cNvPr id="25" name="직선 연결선 24"/>
-          <p:cNvCxnSpPr/>
-          <p:nvPr/>
-        </p:nvCxnSpPr>
-        <p:spPr>
-          <a:xfrm flipV="1">
-            <a:off x="874703" y="1899052"/>
-            <a:ext cx="0" cy="3593915"/>
-          </a:xfrm>
-          <a:prstGeom prst="line">
-            <a:avLst/>
-          </a:prstGeom>
-          <a:ln w="28575">
-            <a:solidFill>
-              <a:schemeClr val="tx1"/>
-            </a:solidFill>
-          </a:ln>
-        </p:spPr>
-        <p:style>
-          <a:lnRef idx="1">
-            <a:schemeClr val="accent1"/>
-          </a:lnRef>
-          <a:fillRef idx="0">
-            <a:schemeClr val="accent1"/>
-          </a:fillRef>
-          <a:effectRef idx="0">
-            <a:schemeClr val="accent1"/>
-          </a:effectRef>
-          <a:fontRef idx="minor">
-            <a:schemeClr val="tx1"/>
-          </a:fontRef>
-        </p:style>
-      </p:cxnSp>
       <p:sp>
         <p:nvSpPr>
           <p:cNvPr id="45" name="모서리가 둥근 직사각형 44"/>
@@ -7865,7 +8152,7 @@
         </p:nvSpPr>
         <p:spPr>
           <a:xfrm>
-            <a:off x="5019471" y="1496215"/>
+            <a:off x="5019471" y="2133211"/>
             <a:ext cx="3171217" cy="805674"/>
           </a:xfrm>
           <a:prstGeom prst="roundRect">
@@ -7905,7 +8192,23 @@
                   <a:schemeClr val="tx1"/>
                 </a:solidFill>
               </a:rPr>
-              <a:t>Foot placement based reference generation</a:t>
+              <a:t>Foot </a:t>
+            </a:r>
+            <a:r>
+              <a:rPr lang="en-US" altLang="ko-KR" b="1" dirty="0" smtClean="0">
+                <a:solidFill>
+                  <a:schemeClr val="tx1"/>
+                </a:solidFill>
+              </a:rPr>
+              <a:t>placement (CP) </a:t>
+            </a:r>
+            <a:r>
+              <a:rPr lang="en-US" altLang="ko-KR" b="1" dirty="0">
+                <a:solidFill>
+                  <a:schemeClr val="tx1"/>
+                </a:solidFill>
+              </a:rPr>
+              <a:t>based reference generation</a:t>
             </a:r>
             <a:endParaRPr lang="ko-KR" altLang="en-US" b="1" dirty="0">
               <a:solidFill>
@@ -7923,7 +8226,7 @@
         </p:nvSpPr>
         <p:spPr>
           <a:xfrm>
-            <a:off x="5034488" y="3026163"/>
+            <a:off x="5034488" y="3663159"/>
             <a:ext cx="3156201" cy="805674"/>
           </a:xfrm>
           <a:prstGeom prst="roundRect">
@@ -7992,7 +8295,7 @@
         </p:nvSpPr>
         <p:spPr>
           <a:xfrm>
-            <a:off x="5040628" y="4545746"/>
+            <a:off x="5040628" y="5182742"/>
             <a:ext cx="3150059" cy="805674"/>
           </a:xfrm>
           <a:prstGeom prst="roundRect">
@@ -8032,13 +8335,146 @@
                   <a:schemeClr val="tx1"/>
                 </a:solidFill>
               </a:rPr>
-              <a:t>Torque control robot</a:t>
+              <a:t>Torque </a:t>
+            </a:r>
+            <a:r>
+              <a:rPr lang="en-US" altLang="ko-KR" b="1" dirty="0" smtClean="0">
+                <a:solidFill>
+                  <a:schemeClr val="tx1"/>
+                </a:solidFill>
+              </a:rPr>
+              <a:t>control</a:t>
+            </a:r>
+          </a:p>
+          <a:p>
+            <a:pPr algn="ctr"/>
+            <a:r>
+              <a:rPr lang="en-US" altLang="ko-KR" b="1" dirty="0" smtClean="0">
+                <a:solidFill>
+                  <a:schemeClr val="tx1"/>
+                </a:solidFill>
+              </a:rPr>
+              <a:t>quadrupedal </a:t>
+            </a:r>
+            <a:r>
+              <a:rPr lang="en-US" altLang="ko-KR" b="1" dirty="0" smtClean="0">
+                <a:solidFill>
+                  <a:schemeClr val="tx1"/>
+                </a:solidFill>
+              </a:rPr>
+              <a:t>robot</a:t>
             </a:r>
             <a:endParaRPr lang="ko-KR" altLang="en-US" b="1" dirty="0">
               <a:solidFill>
                 <a:schemeClr val="tx1"/>
               </a:solidFill>
             </a:endParaRPr>
+          </a:p>
+        </p:txBody>
+      </p:sp>
+      <p:sp>
+        <p:nvSpPr>
+          <p:cNvPr id="4" name="직사각형 3"/>
+          <p:cNvSpPr/>
+          <p:nvPr/>
+        </p:nvSpPr>
+        <p:spPr>
+          <a:xfrm>
+            <a:off x="832816" y="2816517"/>
+            <a:ext cx="2048125" cy="408125"/>
+          </a:xfrm>
+          <a:prstGeom prst="rect">
+            <a:avLst/>
+          </a:prstGeom>
+        </p:spPr>
+        <p:txBody>
+          <a:bodyPr wrap="none">
+            <a:spAutoFit/>
+          </a:bodyPr>
+          <a:lstStyle/>
+          <a:p>
+            <a:pPr marL="285750" indent="-285750">
+              <a:lnSpc>
+                <a:spcPct val="114000"/>
+              </a:lnSpc>
+              <a:buFont typeface="Arial" panose="020B0604020202020204" pitchFamily="34" charset="0"/>
+              <a:buChar char="•"/>
+            </a:pPr>
+            <a:r>
+              <a:rPr lang="en-US" altLang="ko-KR" dirty="0"/>
+              <a:t>Highly compliant</a:t>
+            </a:r>
+          </a:p>
+        </p:txBody>
+      </p:sp>
+      <p:sp>
+        <p:nvSpPr>
+          <p:cNvPr id="5" name="직사각형 4"/>
+          <p:cNvSpPr/>
+          <p:nvPr/>
+        </p:nvSpPr>
+        <p:spPr>
+          <a:xfrm>
+            <a:off x="832816" y="3224642"/>
+            <a:ext cx="3418821" cy="408125"/>
+          </a:xfrm>
+          <a:prstGeom prst="rect">
+            <a:avLst/>
+          </a:prstGeom>
+        </p:spPr>
+        <p:txBody>
+          <a:bodyPr wrap="none">
+            <a:spAutoFit/>
+          </a:bodyPr>
+          <a:lstStyle/>
+          <a:p>
+            <a:pPr marL="285750" indent="-285750">
+              <a:lnSpc>
+                <a:spcPct val="114000"/>
+              </a:lnSpc>
+              <a:buFont typeface="Arial" panose="020B0604020202020204" pitchFamily="34" charset="0"/>
+              <a:buChar char="•"/>
+            </a:pPr>
+            <a:r>
+              <a:rPr lang="en-US" altLang="ko-KR" dirty="0"/>
+              <a:t>Robustness against disturbance</a:t>
+            </a:r>
+          </a:p>
+        </p:txBody>
+      </p:sp>
+      <p:sp>
+        <p:nvSpPr>
+          <p:cNvPr id="6" name="직사각형 5"/>
+          <p:cNvSpPr/>
+          <p:nvPr/>
+        </p:nvSpPr>
+        <p:spPr>
+          <a:xfrm>
+            <a:off x="832816" y="3632767"/>
+            <a:ext cx="1933606" cy="408125"/>
+          </a:xfrm>
+          <a:prstGeom prst="rect">
+            <a:avLst/>
+          </a:prstGeom>
+        </p:spPr>
+        <p:txBody>
+          <a:bodyPr wrap="none">
+            <a:spAutoFit/>
+          </a:bodyPr>
+          <a:lstStyle/>
+          <a:p>
+            <a:pPr marL="285750" indent="-285750">
+              <a:lnSpc>
+                <a:spcPct val="114000"/>
+              </a:lnSpc>
+              <a:buFont typeface="Arial" panose="020B0604020202020204" pitchFamily="34" charset="0"/>
+              <a:buChar char="•"/>
+            </a:pPr>
+            <a:r>
+              <a:rPr lang="en-US" altLang="ko-KR" dirty="0"/>
+              <a:t>Energy efficient</a:t>
+            </a:r>
+            <a:endParaRPr lang="ko-KR" altLang="en-US" dirty="0"/>
           </a:p>
         </p:txBody>
       </p:sp>
@@ -8052,13 +8488,13 @@
   <p:clrMapOvr>
     <a:masterClrMapping/>
   </p:clrMapOvr>
-  <mc:AlternateContent xmlns:mc="http://schemas.openxmlformats.org/markup-compatibility/2006">
-    <mc:Choice xmlns:p14="http://schemas.microsoft.com/office/powerpoint/2010/main" Requires="p14">
+  <mc:AlternateContent xmlns:mc="http://schemas.openxmlformats.org/markup-compatibility/2006" xmlns:p14="http://schemas.microsoft.com/office/powerpoint/2010/main">
+    <mc:Choice Requires="p14">
       <p:transition p14:dur="300">
         <p14:reveal/>
       </p:transition>
     </mc:Choice>
-    <mc:Fallback>
+    <mc:Fallback xmlns="">
       <p:transition>
         <p:fade/>
       </p:transition>
@@ -8085,7 +8521,7 @@
                             </p:stCondLst>
                             <p:childTnLst>
                               <p:par>
-                                <p:cTn id="5" presetID="1" presetClass="entr" presetSubtype="0" fill="hold" nodeType="clickEffect">
+                                <p:cTn id="5" presetID="1" presetClass="entr" presetSubtype="0" fill="hold" grpId="1" nodeType="clickEffect">
                                   <p:stCondLst>
                                     <p:cond delay="0"/>
                                   </p:stCondLst>
@@ -8098,34 +8534,7 @@
                                           </p:stCondLst>
                                         </p:cTn>
                                         <p:tgtEl>
-                                          <p:spTgt spid="41"/>
-                                        </p:tgtEl>
-                                        <p:attrNameLst>
-                                          <p:attrName>style.visibility</p:attrName>
-                                        </p:attrNameLst>
-                                      </p:cBhvr>
-                                      <p:to>
-                                        <p:strVal val="visible"/>
-                                      </p:to>
-                                    </p:set>
-                                  </p:childTnLst>
-                                </p:cTn>
-                              </p:par>
-                              <p:par>
-                                <p:cTn id="7" presetID="1" presetClass="entr" presetSubtype="0" fill="hold" grpId="0" nodeType="withEffect">
-                                  <p:stCondLst>
-                                    <p:cond delay="0"/>
-                                  </p:stCondLst>
-                                  <p:childTnLst>
-                                    <p:set>
-                                      <p:cBhvr>
-                                        <p:cTn id="8" dur="1" fill="hold">
-                                          <p:stCondLst>
-                                            <p:cond delay="0"/>
-                                          </p:stCondLst>
-                                        </p:cTn>
-                                        <p:tgtEl>
-                                          <p:spTgt spid="45"/>
+                                          <p:spTgt spid="4"/>
                                         </p:tgtEl>
                                         <p:attrNameLst>
                                           <p:attrName>style.visibility</p:attrName>
@@ -8145,32 +8554,32 @@
                     </p:cTn>
                   </p:par>
                   <p:par>
-                    <p:cTn id="9" fill="hold">
+                    <p:cTn id="7" fill="hold">
                       <p:stCondLst>
                         <p:cond delay="indefinite"/>
                       </p:stCondLst>
                       <p:childTnLst>
                         <p:par>
-                          <p:cTn id="10" fill="hold">
+                          <p:cTn id="8" fill="hold">
                             <p:stCondLst>
                               <p:cond delay="0"/>
                             </p:stCondLst>
                             <p:childTnLst>
                               <p:par>
-                                <p:cTn id="11" presetID="1" presetClass="entr" presetSubtype="0" fill="hold" grpId="0" nodeType="clickEffect">
+                                <p:cTn id="9" presetID="1" presetClass="entr" presetSubtype="0" fill="hold" grpId="1" nodeType="clickEffect">
                                   <p:stCondLst>
                                     <p:cond delay="0"/>
                                   </p:stCondLst>
                                   <p:childTnLst>
                                     <p:set>
                                       <p:cBhvr>
-                                        <p:cTn id="12" dur="1" fill="hold">
+                                        <p:cTn id="10" dur="1" fill="hold">
                                           <p:stCondLst>
                                             <p:cond delay="0"/>
                                           </p:stCondLst>
                                         </p:cTn>
                                         <p:tgtEl>
-                                          <p:spTgt spid="47"/>
+                                          <p:spTgt spid="5"/>
                                         </p:tgtEl>
                                         <p:attrNameLst>
                                           <p:attrName>style.visibility</p:attrName>
@@ -8183,8 +8592,26 @@
                                   </p:childTnLst>
                                 </p:cTn>
                               </p:par>
+                            </p:childTnLst>
+                          </p:cTn>
+                        </p:par>
+                      </p:childTnLst>
+                    </p:cTn>
+                  </p:par>
+                  <p:par>
+                    <p:cTn id="11" fill="hold">
+                      <p:stCondLst>
+                        <p:cond delay="indefinite"/>
+                      </p:stCondLst>
+                      <p:childTnLst>
+                        <p:par>
+                          <p:cTn id="12" fill="hold">
+                            <p:stCondLst>
+                              <p:cond delay="0"/>
+                            </p:stCondLst>
+                            <p:childTnLst>
                               <p:par>
-                                <p:cTn id="13" presetID="1" presetClass="entr" presetSubtype="0" fill="hold" nodeType="withEffect">
+                                <p:cTn id="13" presetID="1" presetClass="entr" presetSubtype="0" fill="hold" grpId="1" nodeType="clickEffect">
                                   <p:stCondLst>
                                     <p:cond delay="0"/>
                                   </p:stCondLst>
@@ -8197,7 +8624,7 @@
                                           </p:stCondLst>
                                         </p:cTn>
                                         <p:tgtEl>
-                                          <p:spTgt spid="43"/>
+                                          <p:spTgt spid="6"/>
                                         </p:tgtEl>
                                         <p:attrNameLst>
                                           <p:attrName>style.visibility</p:attrName>
@@ -8229,14 +8656,287 @@
                             </p:stCondLst>
                             <p:childTnLst>
                               <p:par>
-                                <p:cTn id="17" presetID="1" presetClass="entr" presetSubtype="0" fill="hold" grpId="0" nodeType="clickEffect">
+                                <p:cTn id="17" presetID="42" presetClass="path" presetSubtype="0" accel="50000" decel="50000" fill="hold" grpId="0" nodeType="clickEffect">
+                                  <p:stCondLst>
+                                    <p:cond delay="0"/>
+                                  </p:stCondLst>
+                                  <p:childTnLst>
+                                    <p:animMotion origin="layout" path="M 5E-6 2.22222E-6 L 5E-6 -0.28009 " pathEditMode="relative" rAng="0" ptsTypes="AA">
+                                      <p:cBhvr>
+                                        <p:cTn id="18" dur="2000" fill="hold"/>
+                                        <p:tgtEl>
+                                          <p:spTgt spid="4"/>
+                                        </p:tgtEl>
+                                        <p:attrNameLst>
+                                          <p:attrName>ppt_x</p:attrName>
+                                          <p:attrName>ppt_y</p:attrName>
+                                        </p:attrNameLst>
+                                      </p:cBhvr>
+                                      <p:rCtr x="0" y="-14005"/>
+                                    </p:animMotion>
+                                  </p:childTnLst>
+                                </p:cTn>
+                              </p:par>
+                              <p:par>
+                                <p:cTn id="19" presetID="42" presetClass="path" presetSubtype="0" accel="50000" decel="50000" fill="hold" grpId="0" nodeType="withEffect">
+                                  <p:stCondLst>
+                                    <p:cond delay="0"/>
+                                  </p:stCondLst>
+                                  <p:childTnLst>
+                                    <p:animMotion origin="layout" path="M -1.38889E-6 1.48148E-6 L -1.38889E-6 -0.27963 " pathEditMode="relative" rAng="0" ptsTypes="AA">
+                                      <p:cBhvr>
+                                        <p:cTn id="20" dur="2000" fill="hold"/>
+                                        <p:tgtEl>
+                                          <p:spTgt spid="5"/>
+                                        </p:tgtEl>
+                                        <p:attrNameLst>
+                                          <p:attrName>ppt_x</p:attrName>
+                                          <p:attrName>ppt_y</p:attrName>
+                                        </p:attrNameLst>
+                                      </p:cBhvr>
+                                      <p:rCtr x="0" y="-13981"/>
+                                    </p:animMotion>
+                                  </p:childTnLst>
+                                </p:cTn>
+                              </p:par>
+                              <p:par>
+                                <p:cTn id="21" presetID="42" presetClass="path" presetSubtype="0" accel="50000" decel="50000" fill="hold" grpId="0" nodeType="withEffect">
+                                  <p:stCondLst>
+                                    <p:cond delay="0"/>
+                                  </p:stCondLst>
+                                  <p:childTnLst>
+                                    <p:animMotion origin="layout" path="M 5E-6 7.40741E-7 L 5E-6 -0.27917 " pathEditMode="relative" rAng="0" ptsTypes="AA">
+                                      <p:cBhvr>
+                                        <p:cTn id="22" dur="2000" fill="hold"/>
+                                        <p:tgtEl>
+                                          <p:spTgt spid="6"/>
+                                        </p:tgtEl>
+                                        <p:attrNameLst>
+                                          <p:attrName>ppt_x</p:attrName>
+                                          <p:attrName>ppt_y</p:attrName>
+                                        </p:attrNameLst>
+                                      </p:cBhvr>
+                                      <p:rCtr x="0" y="-13958"/>
+                                    </p:animMotion>
+                                  </p:childTnLst>
+                                </p:cTn>
+                              </p:par>
+                            </p:childTnLst>
+                          </p:cTn>
+                        </p:par>
+                      </p:childTnLst>
+                    </p:cTn>
+                  </p:par>
+                  <p:par>
+                    <p:cTn id="23" fill="hold">
+                      <p:stCondLst>
+                        <p:cond delay="indefinite"/>
+                      </p:stCondLst>
+                      <p:childTnLst>
+                        <p:par>
+                          <p:cTn id="24" fill="hold">
+                            <p:stCondLst>
+                              <p:cond delay="0"/>
+                            </p:stCondLst>
+                            <p:childTnLst>
+                              <p:par>
+                                <p:cTn id="25" presetID="1" presetClass="entr" presetSubtype="0" fill="hold" nodeType="clickEffect">
                                   <p:stCondLst>
                                     <p:cond delay="0"/>
                                   </p:stCondLst>
                                   <p:childTnLst>
                                     <p:set>
                                       <p:cBhvr>
-                                        <p:cTn id="18" dur="1" fill="hold">
+                                        <p:cTn id="26" dur="1" fill="hold">
+                                          <p:stCondLst>
+                                            <p:cond delay="0"/>
+                                          </p:stCondLst>
+                                        </p:cTn>
+                                        <p:tgtEl>
+                                          <p:spTgt spid="3"/>
+                                        </p:tgtEl>
+                                        <p:attrNameLst>
+                                          <p:attrName>style.visibility</p:attrName>
+                                        </p:attrNameLst>
+                                      </p:cBhvr>
+                                      <p:to>
+                                        <p:strVal val="visible"/>
+                                      </p:to>
+                                    </p:set>
+                                  </p:childTnLst>
+                                </p:cTn>
+                              </p:par>
+                            </p:childTnLst>
+                          </p:cTn>
+                        </p:par>
+                      </p:childTnLst>
+                    </p:cTn>
+                  </p:par>
+                  <p:par>
+                    <p:cTn id="27" fill="hold">
+                      <p:stCondLst>
+                        <p:cond delay="indefinite"/>
+                      </p:stCondLst>
+                      <p:childTnLst>
+                        <p:par>
+                          <p:cTn id="28" fill="hold">
+                            <p:stCondLst>
+                              <p:cond delay="0"/>
+                            </p:stCondLst>
+                            <p:childTnLst>
+                              <p:par>
+                                <p:cTn id="29" presetID="1" presetClass="entr" presetSubtype="0" fill="hold" nodeType="clickEffect">
+                                  <p:stCondLst>
+                                    <p:cond delay="0"/>
+                                  </p:stCondLst>
+                                  <p:childTnLst>
+                                    <p:set>
+                                      <p:cBhvr>
+                                        <p:cTn id="30" dur="1" fill="hold">
+                                          <p:stCondLst>
+                                            <p:cond delay="0"/>
+                                          </p:stCondLst>
+                                        </p:cTn>
+                                        <p:tgtEl>
+                                          <p:spTgt spid="41"/>
+                                        </p:tgtEl>
+                                        <p:attrNameLst>
+                                          <p:attrName>style.visibility</p:attrName>
+                                        </p:attrNameLst>
+                                      </p:cBhvr>
+                                      <p:to>
+                                        <p:strVal val="visible"/>
+                                      </p:to>
+                                    </p:set>
+                                  </p:childTnLst>
+                                </p:cTn>
+                              </p:par>
+                              <p:par>
+                                <p:cTn id="31" presetID="1" presetClass="entr" presetSubtype="0" fill="hold" grpId="0" nodeType="withEffect">
+                                  <p:stCondLst>
+                                    <p:cond delay="0"/>
+                                  </p:stCondLst>
+                                  <p:childTnLst>
+                                    <p:set>
+                                      <p:cBhvr>
+                                        <p:cTn id="32" dur="1" fill="hold">
+                                          <p:stCondLst>
+                                            <p:cond delay="0"/>
+                                          </p:stCondLst>
+                                        </p:cTn>
+                                        <p:tgtEl>
+                                          <p:spTgt spid="45"/>
+                                        </p:tgtEl>
+                                        <p:attrNameLst>
+                                          <p:attrName>style.visibility</p:attrName>
+                                        </p:attrNameLst>
+                                      </p:cBhvr>
+                                      <p:to>
+                                        <p:strVal val="visible"/>
+                                      </p:to>
+                                    </p:set>
+                                  </p:childTnLst>
+                                </p:cTn>
+                              </p:par>
+                            </p:childTnLst>
+                          </p:cTn>
+                        </p:par>
+                      </p:childTnLst>
+                    </p:cTn>
+                  </p:par>
+                  <p:par>
+                    <p:cTn id="33" fill="hold">
+                      <p:stCondLst>
+                        <p:cond delay="indefinite"/>
+                      </p:stCondLst>
+                      <p:childTnLst>
+                        <p:par>
+                          <p:cTn id="34" fill="hold">
+                            <p:stCondLst>
+                              <p:cond delay="0"/>
+                            </p:stCondLst>
+                            <p:childTnLst>
+                              <p:par>
+                                <p:cTn id="35" presetID="1" presetClass="entr" presetSubtype="0" fill="hold" grpId="0" nodeType="clickEffect">
+                                  <p:stCondLst>
+                                    <p:cond delay="0"/>
+                                  </p:stCondLst>
+                                  <p:childTnLst>
+                                    <p:set>
+                                      <p:cBhvr>
+                                        <p:cTn id="36" dur="1" fill="hold">
+                                          <p:stCondLst>
+                                            <p:cond delay="0"/>
+                                          </p:stCondLst>
+                                        </p:cTn>
+                                        <p:tgtEl>
+                                          <p:spTgt spid="47"/>
+                                        </p:tgtEl>
+                                        <p:attrNameLst>
+                                          <p:attrName>style.visibility</p:attrName>
+                                        </p:attrNameLst>
+                                      </p:cBhvr>
+                                      <p:to>
+                                        <p:strVal val="visible"/>
+                                      </p:to>
+                                    </p:set>
+                                  </p:childTnLst>
+                                </p:cTn>
+                              </p:par>
+                              <p:par>
+                                <p:cTn id="37" presetID="1" presetClass="entr" presetSubtype="0" fill="hold" nodeType="withEffect">
+                                  <p:stCondLst>
+                                    <p:cond delay="0"/>
+                                  </p:stCondLst>
+                                  <p:childTnLst>
+                                    <p:set>
+                                      <p:cBhvr>
+                                        <p:cTn id="38" dur="1" fill="hold">
+                                          <p:stCondLst>
+                                            <p:cond delay="0"/>
+                                          </p:stCondLst>
+                                        </p:cTn>
+                                        <p:tgtEl>
+                                          <p:spTgt spid="43"/>
+                                        </p:tgtEl>
+                                        <p:attrNameLst>
+                                          <p:attrName>style.visibility</p:attrName>
+                                        </p:attrNameLst>
+                                      </p:cBhvr>
+                                      <p:to>
+                                        <p:strVal val="visible"/>
+                                      </p:to>
+                                    </p:set>
+                                  </p:childTnLst>
+                                </p:cTn>
+                              </p:par>
+                            </p:childTnLst>
+                          </p:cTn>
+                        </p:par>
+                      </p:childTnLst>
+                    </p:cTn>
+                  </p:par>
+                  <p:par>
+                    <p:cTn id="39" fill="hold">
+                      <p:stCondLst>
+                        <p:cond delay="indefinite"/>
+                      </p:stCondLst>
+                      <p:childTnLst>
+                        <p:par>
+                          <p:cTn id="40" fill="hold">
+                            <p:stCondLst>
+                              <p:cond delay="0"/>
+                            </p:stCondLst>
+                            <p:childTnLst>
+                              <p:par>
+                                <p:cTn id="41" presetID="1" presetClass="entr" presetSubtype="0" fill="hold" grpId="0" nodeType="clickEffect">
+                                  <p:stCondLst>
+                                    <p:cond delay="0"/>
+                                  </p:stCondLst>
+                                  <p:childTnLst>
+                                    <p:set>
+                                      <p:cBhvr>
+                                        <p:cTn id="42" dur="1" fill="hold">
                                           <p:stCondLst>
                                             <p:cond delay="0"/>
                                           </p:stCondLst>
@@ -8256,14 +8956,14 @@
                                 </p:cTn>
                               </p:par>
                               <p:par>
-                                <p:cTn id="19" presetID="1" presetClass="entr" presetSubtype="0" fill="hold" nodeType="withEffect">
+                                <p:cTn id="43" presetID="1" presetClass="entr" presetSubtype="0" fill="hold" nodeType="withEffect">
                                   <p:stCondLst>
                                     <p:cond delay="0"/>
                                   </p:stCondLst>
                                   <p:childTnLst>
                                     <p:set>
                                       <p:cBhvr>
-                                        <p:cTn id="20" dur="1" fill="hold">
+                                        <p:cTn id="44" dur="1" fill="hold">
                                           <p:stCondLst>
                                             <p:cond delay="0"/>
                                           </p:stCondLst>
@@ -8306,22 +9006,22 @@
               </p:nextCondLst>
             </p:seq>
             <p:par>
-              <p:cTn id="21"/>
+              <p:cTn id="45"/>
             </p:par>
             <p:par>
-              <p:cTn id="22"/>
+              <p:cTn id="46"/>
             </p:par>
             <p:par>
-              <p:cTn id="23"/>
+              <p:cTn id="47"/>
             </p:par>
             <p:par>
-              <p:cTn id="24"/>
+              <p:cTn id="48"/>
             </p:par>
             <p:par>
-              <p:cTn id="25"/>
+              <p:cTn id="49"/>
             </p:par>
             <p:par>
-              <p:cTn id="26"/>
+              <p:cTn id="50"/>
             </p:par>
           </p:childTnLst>
         </p:cTn>
@@ -8331,12 +9031,18 @@
       <p:bldP spid="45" grpId="0" animBg="1"/>
       <p:bldP spid="47" grpId="0" animBg="1"/>
       <p:bldP spid="48" grpId="0" animBg="1"/>
+      <p:bldP spid="4" grpId="0"/>
+      <p:bldP spid="4" grpId="1"/>
+      <p:bldP spid="5" grpId="0"/>
+      <p:bldP spid="5" grpId="1"/>
+      <p:bldP spid="6" grpId="0"/>
+      <p:bldP spid="6" grpId="1"/>
     </p:bldLst>
   </p:timing>
 </p:sld>
 </file>
 
-<file path=ppt/slides/slide5.xml><?xml version="1.0" encoding="utf-8"?>
+<file path=ppt/slides/slide6.xml><?xml version="1.0" encoding="utf-8"?>
 <p:sld xmlns:a="http://schemas.openxmlformats.org/drawingml/2006/main" xmlns:r="http://schemas.openxmlformats.org/officeDocument/2006/relationships" xmlns:p="http://schemas.openxmlformats.org/presentationml/2006/main">
   <p:cSld>
     <p:spTree>
@@ -8395,8 +9101,8 @@
         </p:nvSpPr>
         <p:spPr>
           <a:xfrm>
-            <a:off x="171449" y="1108953"/>
-            <a:ext cx="8814610" cy="5499967"/>
+            <a:off x="171449" y="1139775"/>
+            <a:ext cx="8814610" cy="5041380"/>
           </a:xfrm>
           <a:prstGeom prst="rect">
             <a:avLst/>
@@ -8417,19 +9123,19 @@
               <a:buAutoNum type="arabicPeriod"/>
             </a:pPr>
             <a:r>
-              <a:rPr lang="en-US" altLang="ko-KR" sz="1400" dirty="0" err="1" smtClean="0"/>
+              <a:rPr lang="en-US" altLang="ko-KR" sz="1200" dirty="0" err="1" smtClean="0"/>
               <a:t>Aghili</a:t>
             </a:r>
             <a:r>
-              <a:rPr lang="en-US" altLang="ko-KR" sz="1400" dirty="0" smtClean="0"/>
+              <a:rPr lang="en-US" altLang="ko-KR" sz="1200" dirty="0" smtClean="0"/>
               <a:t> </a:t>
             </a:r>
             <a:r>
-              <a:rPr lang="en-US" altLang="ko-KR" sz="1400" dirty="0"/>
+              <a:rPr lang="en-US" altLang="ko-KR" sz="1200" dirty="0"/>
               <a:t>F (2005) A unified approach for inverse and direct dynamics of constrained multibody systems based on linear projection operator: Applications to control and simulation. IEEE Transactions on Robotics 21(5): 834–849</a:t>
             </a:r>
             <a:r>
-              <a:rPr lang="en-US" altLang="ko-KR" sz="1400" dirty="0" smtClean="0"/>
+              <a:rPr lang="en-US" altLang="ko-KR" sz="1200" dirty="0" smtClean="0"/>
               <a:t>.</a:t>
             </a:r>
           </a:p>
@@ -8442,30 +9148,30 @@
               <a:buAutoNum type="arabicPeriod"/>
             </a:pPr>
             <a:r>
-              <a:rPr lang="en-US" altLang="ko-KR" sz="1400" dirty="0" err="1"/>
+              <a:rPr lang="en-US" altLang="ko-KR" sz="1200" dirty="0" err="1"/>
               <a:t>Bouyarmane</a:t>
             </a:r>
             <a:r>
-              <a:rPr lang="en-US" altLang="ko-KR" sz="1400" dirty="0"/>
+              <a:rPr lang="en-US" altLang="ko-KR" sz="1200" dirty="0"/>
               <a:t>, K., </a:t>
             </a:r>
             <a:r>
-              <a:rPr lang="en-US" altLang="ko-KR" sz="1400" dirty="0" err="1"/>
+              <a:rPr lang="en-US" altLang="ko-KR" sz="1200" dirty="0" err="1"/>
               <a:t>Vaillant</a:t>
             </a:r>
             <a:r>
-              <a:rPr lang="en-US" altLang="ko-KR" sz="1400" dirty="0"/>
+              <a:rPr lang="en-US" altLang="ko-KR" sz="1200" dirty="0"/>
               <a:t>, J., Keith, F., &amp; </a:t>
             </a:r>
             <a:r>
-              <a:rPr lang="en-US" altLang="ko-KR" sz="1400" dirty="0" err="1"/>
+              <a:rPr lang="en-US" altLang="ko-KR" sz="1200" dirty="0" err="1"/>
               <a:t>Kheddar</a:t>
             </a:r>
             <a:r>
-              <a:rPr lang="en-US" altLang="ko-KR" sz="1400" dirty="0"/>
+              <a:rPr lang="en-US" altLang="ko-KR" sz="1200" dirty="0"/>
               <a:t>, A. (2012). Exploring humanoid robots locomotion capabilities in virtual disaster response scenarios. In 12th IEEE-RAS International Conference on Humanoid Robots (Humanoids) (pp. 337–342), Osaka, Japan.</a:t>
             </a:r>
-            <a:endParaRPr lang="ko-KR" altLang="ko-KR" sz="1400" dirty="0"/>
+            <a:endParaRPr lang="ko-KR" altLang="ko-KR" sz="1200" dirty="0"/>
           </a:p>
           <a:p>
             <a:pPr marL="342900" indent="-342900">
@@ -8476,34 +9182,34 @@
               <a:buAutoNum type="arabicPeriod"/>
             </a:pPr>
             <a:r>
-              <a:rPr lang="en-US" altLang="ko-KR" sz="1400" dirty="0"/>
+              <a:rPr lang="en-US" altLang="ko-KR" sz="1200" dirty="0"/>
               <a:t>De Lasa, M., </a:t>
             </a:r>
             <a:r>
-              <a:rPr lang="en-US" altLang="ko-KR" sz="1400" dirty="0" err="1"/>
+              <a:rPr lang="en-US" altLang="ko-KR" sz="1200" dirty="0" err="1"/>
               <a:t>Mordatch</a:t>
             </a:r>
             <a:r>
-              <a:rPr lang="en-US" altLang="ko-KR" sz="1400" dirty="0"/>
+              <a:rPr lang="en-US" altLang="ko-KR" sz="1200" dirty="0"/>
               <a:t>, I., &amp; </a:t>
             </a:r>
             <a:r>
-              <a:rPr lang="en-US" altLang="ko-KR" sz="1400" dirty="0" err="1"/>
+              <a:rPr lang="en-US" altLang="ko-KR" sz="1200" dirty="0" err="1"/>
               <a:t>Hertzmann</a:t>
             </a:r>
             <a:r>
-              <a:rPr lang="en-US" altLang="ko-KR" sz="1400" dirty="0"/>
+              <a:rPr lang="en-US" altLang="ko-KR" sz="1200" dirty="0"/>
               <a:t>, A. (2010). </a:t>
             </a:r>
             <a:r>
-              <a:rPr lang="en-US" altLang="ko-KR" sz="1400" dirty="0" err="1"/>
+              <a:rPr lang="en-US" altLang="ko-KR" sz="1200" dirty="0" err="1"/>
               <a:t>Featurebased</a:t>
             </a:r>
             <a:r>
-              <a:rPr lang="en-US" altLang="ko-KR" sz="1400" dirty="0"/>
+              <a:rPr lang="en-US" altLang="ko-KR" sz="1200" dirty="0"/>
               <a:t> locomotion controllers. ACM Transactions on Graphics, 29(4), 131:1–131:10.</a:t>
             </a:r>
-            <a:endParaRPr lang="ko-KR" altLang="ko-KR" sz="1400" dirty="0"/>
+            <a:endParaRPr lang="ko-KR" altLang="ko-KR" sz="1200" dirty="0"/>
           </a:p>
           <a:p>
             <a:pPr marL="342900" indent="-342900">
@@ -8514,22 +9220,22 @@
               <a:buAutoNum type="arabicPeriod"/>
             </a:pPr>
             <a:r>
-              <a:rPr lang="en-US" altLang="ko-KR" sz="1400" dirty="0" err="1"/>
+              <a:rPr lang="en-US" altLang="ko-KR" sz="1200" dirty="0" err="1"/>
               <a:t>Khatib</a:t>
             </a:r>
             <a:r>
-              <a:rPr lang="en-US" altLang="ko-KR" sz="1400" dirty="0"/>
+              <a:rPr lang="en-US" altLang="ko-KR" sz="1200" dirty="0"/>
               <a:t> O (1987) A unified approach for motion and force control of robot manipulators: The operational space formulation. </a:t>
             </a:r>
             <a:r>
-              <a:rPr lang="en-US" altLang="ko-KR" sz="1400" i="1" dirty="0"/>
+              <a:rPr lang="en-US" altLang="ko-KR" sz="1200" i="1" dirty="0"/>
               <a:t>IEEE Journal of Robotics and Automation </a:t>
             </a:r>
             <a:r>
-              <a:rPr lang="en-US" altLang="ko-KR" sz="1400" dirty="0"/>
+              <a:rPr lang="en-US" altLang="ko-KR" sz="1200" dirty="0"/>
               <a:t>3(1): 43–53.</a:t>
             </a:r>
-            <a:endParaRPr lang="ko-KR" altLang="ko-KR" sz="1400" dirty="0"/>
+            <a:endParaRPr lang="ko-KR" altLang="ko-KR" sz="1200" dirty="0"/>
           </a:p>
           <a:p>
             <a:pPr marL="342900" indent="-342900">
@@ -8540,26 +9246,26 @@
               <a:buAutoNum type="arabicPeriod"/>
             </a:pPr>
             <a:r>
-              <a:rPr lang="en-US" altLang="ko-KR" sz="1400" dirty="0"/>
+              <a:rPr lang="en-US" altLang="ko-KR" sz="1200" dirty="0"/>
               <a:t>Herzog, A., </a:t>
             </a:r>
             <a:r>
-              <a:rPr lang="en-US" altLang="ko-KR" sz="1400" dirty="0" err="1"/>
+              <a:rPr lang="en-US" altLang="ko-KR" sz="1200" dirty="0" err="1"/>
               <a:t>Righetti</a:t>
             </a:r>
             <a:r>
-              <a:rPr lang="en-US" altLang="ko-KR" sz="1400" dirty="0"/>
+              <a:rPr lang="en-US" altLang="ko-KR" sz="1200" dirty="0"/>
               <a:t>, L., Grimminger, F., Pastor, P., &amp; </a:t>
             </a:r>
             <a:r>
-              <a:rPr lang="en-US" altLang="ko-KR" sz="1400" dirty="0" err="1"/>
+              <a:rPr lang="en-US" altLang="ko-KR" sz="1200" dirty="0" err="1"/>
               <a:t>Schaal</a:t>
             </a:r>
             <a:r>
-              <a:rPr lang="en-US" altLang="ko-KR" sz="1400" dirty="0"/>
+              <a:rPr lang="en-US" altLang="ko-KR" sz="1200" dirty="0"/>
               <a:t>, S. (2014). Balancing experiments on a torque-controlled humanoid with hierarchical inverse dynamics. In IEEE/RSJ International Conference on Intelligent Robots and Systems (IROS), Chicago.</a:t>
             </a:r>
-            <a:endParaRPr lang="ko-KR" altLang="ko-KR" sz="1400" dirty="0"/>
+            <a:endParaRPr lang="ko-KR" altLang="ko-KR" sz="1200" dirty="0"/>
           </a:p>
           <a:p>
             <a:pPr marL="342900" indent="-342900">
@@ -8570,54 +9276,54 @@
               <a:buAutoNum type="arabicPeriod"/>
             </a:pPr>
             <a:r>
-              <a:rPr lang="en-US" altLang="ko-KR" sz="1400" dirty="0" err="1"/>
+              <a:rPr lang="en-US" altLang="ko-KR" sz="1200" dirty="0" err="1"/>
               <a:t>Hutter</a:t>
             </a:r>
             <a:r>
-              <a:rPr lang="en-US" altLang="ko-KR" sz="1400" dirty="0"/>
+              <a:rPr lang="en-US" altLang="ko-KR" sz="1200" dirty="0"/>
               <a:t>, M., </a:t>
             </a:r>
             <a:r>
-              <a:rPr lang="en-US" altLang="ko-KR" sz="1400" dirty="0" err="1"/>
+              <a:rPr lang="en-US" altLang="ko-KR" sz="1200" dirty="0" err="1"/>
               <a:t>Sommer</a:t>
             </a:r>
             <a:r>
-              <a:rPr lang="en-US" altLang="ko-KR" sz="1400" dirty="0"/>
+              <a:rPr lang="en-US" altLang="ko-KR" sz="1200" dirty="0"/>
               <a:t>, H., </a:t>
             </a:r>
             <a:r>
-              <a:rPr lang="en-US" altLang="ko-KR" sz="1400" dirty="0" err="1"/>
+              <a:rPr lang="en-US" altLang="ko-KR" sz="1200" dirty="0" err="1"/>
               <a:t>Gehring</a:t>
             </a:r>
             <a:r>
-              <a:rPr lang="en-US" altLang="ko-KR" sz="1400" dirty="0"/>
+              <a:rPr lang="en-US" altLang="ko-KR" sz="1200" dirty="0"/>
               <a:t>, C., </a:t>
             </a:r>
             <a:r>
-              <a:rPr lang="en-US" altLang="ko-KR" sz="1400" dirty="0" err="1"/>
+              <a:rPr lang="en-US" altLang="ko-KR" sz="1200" dirty="0" err="1"/>
               <a:t>Hoepflinger</a:t>
             </a:r>
             <a:r>
-              <a:rPr lang="en-US" altLang="ko-KR" sz="1400" dirty="0"/>
+              <a:rPr lang="en-US" altLang="ko-KR" sz="1200" dirty="0"/>
               <a:t>, M., </a:t>
             </a:r>
             <a:r>
-              <a:rPr lang="en-US" altLang="ko-KR" sz="1400" dirty="0" err="1"/>
+              <a:rPr lang="en-US" altLang="ko-KR" sz="1200" dirty="0" err="1"/>
               <a:t>Bloesch</a:t>
             </a:r>
             <a:r>
-              <a:rPr lang="en-US" altLang="ko-KR" sz="1400" dirty="0"/>
+              <a:rPr lang="en-US" altLang="ko-KR" sz="1200" dirty="0"/>
               <a:t>, M., &amp; </a:t>
             </a:r>
             <a:r>
-              <a:rPr lang="en-US" altLang="ko-KR" sz="1400" dirty="0" err="1"/>
+              <a:rPr lang="en-US" altLang="ko-KR" sz="1200" dirty="0" err="1"/>
               <a:t>Siegwart</a:t>
             </a:r>
             <a:r>
-              <a:rPr lang="en-US" altLang="ko-KR" sz="1400" dirty="0"/>
+              <a:rPr lang="en-US" altLang="ko-KR" sz="1200" dirty="0"/>
               <a:t>, R. (2014). Quadrupedal locomotion using hierarchical operational space control. The International Journal of Robotics Research, 33(8), 1047–1062.</a:t>
             </a:r>
-            <a:endParaRPr lang="ko-KR" altLang="ko-KR" sz="1400" dirty="0"/>
+            <a:endParaRPr lang="ko-KR" altLang="ko-KR" sz="1200" dirty="0"/>
           </a:p>
           <a:p>
             <a:pPr marL="342900" indent="-342900">
@@ -8628,26 +9334,26 @@
               <a:buAutoNum type="arabicPeriod"/>
             </a:pPr>
             <a:r>
-              <a:rPr lang="en-US" altLang="ko-KR" sz="1400" dirty="0"/>
+              <a:rPr lang="en-US" altLang="ko-KR" sz="1200" dirty="0"/>
               <a:t>Feng, S., Whitman, E., </a:t>
             </a:r>
             <a:r>
-              <a:rPr lang="en-US" altLang="ko-KR" sz="1400" dirty="0" err="1"/>
+              <a:rPr lang="en-US" altLang="ko-KR" sz="1200" dirty="0" err="1"/>
               <a:t>Xinjilefu</a:t>
             </a:r>
             <a:r>
-              <a:rPr lang="en-US" altLang="ko-KR" sz="1400" dirty="0"/>
+              <a:rPr lang="en-US" altLang="ko-KR" sz="1200" dirty="0"/>
               <a:t>, X., &amp; </a:t>
             </a:r>
             <a:r>
-              <a:rPr lang="en-US" altLang="ko-KR" sz="1400" dirty="0" err="1"/>
+              <a:rPr lang="en-US" altLang="ko-KR" sz="1200" dirty="0" err="1"/>
               <a:t>Atkeson</a:t>
             </a:r>
             <a:r>
-              <a:rPr lang="en-US" altLang="ko-KR" sz="1400" dirty="0"/>
+              <a:rPr lang="en-US" altLang="ko-KR" sz="1200" dirty="0"/>
               <a:t>, C. G. (2015). Optimization‐based full body control for the DARPA Robotics Challenge. Journal of Field Robotics, 32(2), 293-312.</a:t>
             </a:r>
-            <a:endParaRPr lang="ko-KR" altLang="ko-KR" sz="1400" dirty="0"/>
+            <a:endParaRPr lang="ko-KR" altLang="ko-KR" sz="1200" dirty="0"/>
           </a:p>
           <a:p>
             <a:pPr marL="342900" indent="-342900">
@@ -8658,26 +9364,26 @@
               <a:buAutoNum type="arabicPeriod"/>
             </a:pPr>
             <a:r>
-              <a:rPr lang="en-US" altLang="ko-KR" sz="1400" dirty="0"/>
+              <a:rPr lang="en-US" altLang="ko-KR" sz="1200" dirty="0"/>
               <a:t>Mistry M, </a:t>
             </a:r>
             <a:r>
-              <a:rPr lang="en-US" altLang="ko-KR" sz="1400" dirty="0" err="1"/>
+              <a:rPr lang="en-US" altLang="ko-KR" sz="1200" dirty="0" err="1"/>
               <a:t>Buchli</a:t>
             </a:r>
             <a:r>
-              <a:rPr lang="en-US" altLang="ko-KR" sz="1400" dirty="0"/>
+              <a:rPr lang="en-US" altLang="ko-KR" sz="1200" dirty="0"/>
               <a:t> J and </a:t>
             </a:r>
             <a:r>
-              <a:rPr lang="en-US" altLang="ko-KR" sz="1400" dirty="0" err="1"/>
+              <a:rPr lang="en-US" altLang="ko-KR" sz="1200" dirty="0" err="1"/>
               <a:t>Schaal</a:t>
             </a:r>
             <a:r>
-              <a:rPr lang="en-US" altLang="ko-KR" sz="1400" dirty="0"/>
+              <a:rPr lang="en-US" altLang="ko-KR" sz="1200" dirty="0"/>
               <a:t> S (2010) Inverse dynamics control of floating base systems using orthogonal decomposition. In: Proceedings of International conference on robotics and automation (ICRA), Anchorage, AK, 3–8 May 2010, pp. 3406–3412.</a:t>
             </a:r>
-            <a:endParaRPr lang="ko-KR" altLang="ko-KR" sz="1400" dirty="0"/>
+            <a:endParaRPr lang="ko-KR" altLang="ko-KR" sz="1200" dirty="0"/>
           </a:p>
           <a:p>
             <a:pPr marL="342900" indent="-342900">
@@ -8688,28 +9394,138 @@
               <a:buAutoNum type="arabicPeriod"/>
             </a:pPr>
             <a:r>
-              <a:rPr lang="en-US" altLang="ko-KR" sz="1400" dirty="0" err="1"/>
+              <a:rPr lang="en-US" altLang="ko-KR" sz="1200" dirty="0" err="1"/>
               <a:t>Sentis</a:t>
             </a:r>
             <a:r>
-              <a:rPr lang="en-US" altLang="ko-KR" sz="1400" dirty="0"/>
-              <a:t> L (2007) Synthesis and control of whole-body behaviors in humanoid systems. PhD Thesis, Stanford University.</a:t>
-            </a:r>
-            <a:endParaRPr lang="ko-KR" altLang="ko-KR" sz="1400" dirty="0"/>
+              <a:rPr lang="en-US" altLang="ko-KR" sz="1200" dirty="0"/>
+              <a:t> L (2007) Synthesis and control of whole-body behaviors in humanoid systems. PhD Thesis, Stanford University</a:t>
+            </a:r>
+            <a:r>
+              <a:rPr lang="en-US" altLang="ko-KR" sz="1200" dirty="0" smtClean="0"/>
+              <a:t>.</a:t>
+            </a:r>
+          </a:p>
+          <a:p>
+            <a:pPr marL="342900" indent="-342900">
+              <a:lnSpc>
+                <a:spcPct val="110000"/>
+              </a:lnSpc>
+              <a:buFont typeface="+mj-lt"/>
+              <a:buAutoNum type="arabicPeriod"/>
+            </a:pPr>
+            <a:r>
+              <a:rPr lang="en-US" altLang="ko-KR" sz="1200" dirty="0" err="1"/>
+              <a:t>Raibert</a:t>
+            </a:r>
+            <a:r>
+              <a:rPr lang="en-US" altLang="ko-KR" sz="1200" dirty="0"/>
+              <a:t>, M. H. (1986). Legged robots that balance. MIT press</a:t>
+            </a:r>
+            <a:r>
+              <a:rPr lang="en-US" altLang="ko-KR" sz="1200" dirty="0" smtClean="0"/>
+              <a:t>.</a:t>
+            </a:r>
+            <a:endParaRPr lang="en-US" altLang="ko-KR" sz="1200" dirty="0" smtClean="0"/>
           </a:p>
           <a:p>
             <a:pPr marL="342900" indent="-342900">
               <a:buFont typeface="+mj-lt"/>
               <a:buAutoNum type="arabicPeriod"/>
             </a:pPr>
-            <a:endParaRPr lang="en-US" altLang="ko-KR" sz="1400" dirty="0" smtClean="0"/>
+            <a:r>
+              <a:rPr lang="en-US" altLang="ko-KR" sz="1200" dirty="0" err="1"/>
+              <a:t>Vukobratović</a:t>
+            </a:r>
+            <a:r>
+              <a:rPr lang="en-US" altLang="ko-KR" sz="1200" dirty="0"/>
+              <a:t>, M., &amp; </a:t>
+            </a:r>
+            <a:r>
+              <a:rPr lang="en-US" altLang="ko-KR" sz="1200" dirty="0" err="1"/>
+              <a:t>Borovac</a:t>
+            </a:r>
+            <a:r>
+              <a:rPr lang="en-US" altLang="ko-KR" sz="1200" dirty="0"/>
+              <a:t>, B. (2004). Zero-moment point—thirty five years of its life. International journal of humanoid robotics, 1(01), 157-173</a:t>
+            </a:r>
+            <a:r>
+              <a:rPr lang="en-US" altLang="ko-KR" sz="1200" dirty="0" smtClean="0"/>
+              <a:t>.</a:t>
+            </a:r>
           </a:p>
           <a:p>
             <a:pPr marL="342900" indent="-342900">
               <a:buFont typeface="+mj-lt"/>
               <a:buAutoNum type="arabicPeriod"/>
             </a:pPr>
-            <a:endParaRPr lang="ko-KR" altLang="en-US" sz="1400" dirty="0"/>
+            <a:r>
+              <a:rPr lang="en-US" altLang="ko-KR" sz="1200" dirty="0"/>
+              <a:t>Pratt, J., </a:t>
+            </a:r>
+            <a:r>
+              <a:rPr lang="en-US" altLang="ko-KR" sz="1200" dirty="0" err="1"/>
+              <a:t>Carff</a:t>
+            </a:r>
+            <a:r>
+              <a:rPr lang="en-US" altLang="ko-KR" sz="1200" dirty="0"/>
+              <a:t>, J., </a:t>
+            </a:r>
+            <a:r>
+              <a:rPr lang="en-US" altLang="ko-KR" sz="1200" dirty="0" err="1"/>
+              <a:t>Drakunov</a:t>
+            </a:r>
+            <a:r>
+              <a:rPr lang="en-US" altLang="ko-KR" sz="1200" dirty="0"/>
+              <a:t>, S., &amp; </a:t>
+            </a:r>
+            <a:r>
+              <a:rPr lang="en-US" altLang="ko-KR" sz="1200" dirty="0" err="1"/>
+              <a:t>Goswami</a:t>
+            </a:r>
+            <a:r>
+              <a:rPr lang="en-US" altLang="ko-KR" sz="1200" dirty="0"/>
+              <a:t>, A. (2006, December). Capture point: A step toward humanoid push recovery. In Humanoid Robots, 2006 6th IEEE-RAS International Conference on (pp. 200-207). IEEE</a:t>
+            </a:r>
+            <a:r>
+              <a:rPr lang="en-US" altLang="ko-KR" sz="1200" dirty="0" smtClean="0"/>
+              <a:t>.</a:t>
+            </a:r>
+          </a:p>
+          <a:p>
+            <a:pPr marL="342900" indent="-342900">
+              <a:buFont typeface="+mj-lt"/>
+              <a:buAutoNum type="arabicPeriod"/>
+            </a:pPr>
+            <a:r>
+              <a:rPr lang="en-US" altLang="ko-KR" sz="1200" dirty="0" err="1"/>
+              <a:t>Rebula</a:t>
+            </a:r>
+            <a:r>
+              <a:rPr lang="en-US" altLang="ko-KR" sz="1200" dirty="0"/>
+              <a:t>, J., </a:t>
+            </a:r>
+            <a:r>
+              <a:rPr lang="en-US" altLang="ko-KR" sz="1200" dirty="0" err="1"/>
+              <a:t>Canas</a:t>
+            </a:r>
+            <a:r>
+              <a:rPr lang="en-US" altLang="ko-KR" sz="1200" dirty="0"/>
+              <a:t>, F., Pratt, J., &amp; </a:t>
+            </a:r>
+            <a:r>
+              <a:rPr lang="en-US" altLang="ko-KR" sz="1200" dirty="0" err="1"/>
+              <a:t>Goswami</a:t>
+            </a:r>
+            <a:r>
+              <a:rPr lang="en-US" altLang="ko-KR" sz="1200" dirty="0"/>
+              <a:t>, A. (2007, November). Learning capture points for humanoid push recovery. In Humanoid Robots, 2007 7th IEEE-RAS International Conference on (pp. 65-72). IEEE</a:t>
+            </a:r>
+            <a:r>
+              <a:rPr lang="en-US" altLang="ko-KR" sz="1200" dirty="0" smtClean="0"/>
+              <a:t>.</a:t>
+            </a:r>
+            <a:endParaRPr lang="en-US" altLang="ko-KR" sz="1200" dirty="0"/>
           </a:p>
         </p:txBody>
       </p:sp>
@@ -8754,7 +9570,7 @@
 </p:sld>
 </file>
 
-<file path=ppt/slides/slide6.xml><?xml version="1.0" encoding="utf-8"?>
+<file path=ppt/slides/slide7.xml><?xml version="1.0" encoding="utf-8"?>
 <p:sld xmlns:a="http://schemas.openxmlformats.org/drawingml/2006/main" xmlns:r="http://schemas.openxmlformats.org/officeDocument/2006/relationships" xmlns:p="http://schemas.openxmlformats.org/presentationml/2006/main">
   <p:cSld>
     <p:spTree>
@@ -8795,11 +9611,7 @@
           <a:p>
             <a:r>
               <a:rPr lang="en-US" altLang="ko-KR" sz="3000" dirty="0" smtClean="0"/>
-              <a:t>3</a:t>
-            </a:r>
-            <a:r>
-              <a:rPr lang="en-US" altLang="ko-KR" sz="3000" dirty="0" smtClean="0"/>
-              <a:t>. Research Plan</a:t>
+              <a:t>3. Research Plan</a:t>
             </a:r>
             <a:endParaRPr lang="ko-KR" altLang="en-US" sz="3000" dirty="0"/>
           </a:p>
@@ -8870,7 +9682,7 @@
 </p:sld>
 </file>
 
-<file path=ppt/slides/slide7.xml><?xml version="1.0" encoding="utf-8"?>
+<file path=ppt/slides/slide8.xml><?xml version="1.0" encoding="utf-8"?>
 <p:sld xmlns:a="http://schemas.openxmlformats.org/drawingml/2006/main" xmlns:r="http://schemas.openxmlformats.org/officeDocument/2006/relationships" xmlns:p="http://schemas.openxmlformats.org/presentationml/2006/main">
   <p:cSld>
     <p:spTree>
@@ -9105,11 +9917,7 @@
           <a:p>
             <a:r>
               <a:rPr lang="en-US" altLang="ko-KR" sz="2000" dirty="0" smtClean="0"/>
-              <a:t>Select appropriate Quadratic Programming </a:t>
-            </a:r>
-            <a:r>
-              <a:rPr lang="en-US" altLang="ko-KR" sz="2000" dirty="0" smtClean="0"/>
-              <a:t>solver</a:t>
+              <a:t>Select appropriate Quadratic Programming solver</a:t>
             </a:r>
           </a:p>
           <a:p>
@@ -9121,14 +9929,12 @@
               <a:rPr lang="en-US" altLang="ko-KR" sz="2000" dirty="0" smtClean="0"/>
               <a:t> simulator install &amp; tutorial</a:t>
             </a:r>
-            <a:endParaRPr lang="en-US" altLang="ko-KR" sz="2000" dirty="0" smtClean="0"/>
           </a:p>
           <a:p>
             <a:r>
               <a:rPr lang="en-US" altLang="ko-KR" sz="2000" dirty="0" smtClean="0"/>
               <a:t>Do RESEARCH!!</a:t>
             </a:r>
-            <a:endParaRPr lang="en-US" altLang="ko-KR" sz="2000" dirty="0" smtClean="0"/>
           </a:p>
           <a:p>
             <a:r>
@@ -9283,7 +10089,7 @@
 </p:sld>
 </file>
 
-<file path=ppt/slides/slide8.xml><?xml version="1.0" encoding="utf-8"?>
+<file path=ppt/slides/slide9.xml><?xml version="1.0" encoding="utf-8"?>
 <p:sld xmlns:a="http://schemas.openxmlformats.org/drawingml/2006/main" xmlns:r="http://schemas.openxmlformats.org/officeDocument/2006/relationships" xmlns:p="http://schemas.openxmlformats.org/presentationml/2006/main">
   <p:cSld>
     <p:spTree>

--- a/Presentation/CE554_Research_Plan_홍승우_최종훈.pptx
+++ b/Presentation/CE554_Research_Plan_홍승우_최종훈.pptx
@@ -5,18 +5,17 @@
     <p:sldMasterId id="2147483660" r:id="rId1"/>
   </p:sldMasterIdLst>
   <p:notesMasterIdLst>
-    <p:notesMasterId r:id="rId11"/>
+    <p:notesMasterId r:id="rId10"/>
   </p:notesMasterIdLst>
   <p:sldIdLst>
     <p:sldId id="256" r:id="rId2"/>
     <p:sldId id="258" r:id="rId3"/>
     <p:sldId id="284" r:id="rId4"/>
-    <p:sldId id="286" r:id="rId5"/>
-    <p:sldId id="285" r:id="rId6"/>
-    <p:sldId id="281" r:id="rId7"/>
-    <p:sldId id="282" r:id="rId8"/>
-    <p:sldId id="283" r:id="rId9"/>
-    <p:sldId id="280" r:id="rId10"/>
+    <p:sldId id="285" r:id="rId5"/>
+    <p:sldId id="281" r:id="rId6"/>
+    <p:sldId id="282" r:id="rId7"/>
+    <p:sldId id="283" r:id="rId8"/>
+    <p:sldId id="280" r:id="rId9"/>
   </p:sldIdLst>
   <p:sldSz cx="9144000" cy="6858000" type="screen4x3"/>
   <p:notesSz cx="6858000" cy="9144000"/>
@@ -219,7 +218,7 @@
           <a:p>
             <a:fld id="{1A6F028B-2054-4F68-97F8-5C86D94EAD95}" type="datetimeFigureOut">
               <a:rPr lang="ko-KR" altLang="en-US" smtClean="0"/>
-              <a:t>2018-09-18</a:t>
+              <a:t>2018-09-19</a:t>
             </a:fld>
             <a:endParaRPr lang="ko-KR" altLang="en-US"/>
           </a:p>
@@ -847,18 +846,6 @@
           <a:lstStyle/>
           <a:p>
             <a:pPr latinLnBrk="1"/>
-            <a:r>
-              <a:rPr lang="ko-KR" altLang="en-US" sz="1200" kern="1200" dirty="0" smtClean="0">
-                <a:solidFill>
-                  <a:schemeClr val="tx1"/>
-                </a:solidFill>
-                <a:effectLst/>
-                <a:latin typeface="+mn-lt"/>
-                <a:ea typeface="+mn-ea"/>
-                <a:cs typeface="+mn-cs"/>
-              </a:rPr>
-              <a:t>통상적인 로봇 컨트롤 프레임워크에 대한 전반적인 설명</a:t>
-            </a:r>
             <a:endParaRPr lang="ko-KR" altLang="ko-KR" sz="1200" kern="1200" dirty="0" smtClean="0">
               <a:solidFill>
                 <a:schemeClr val="tx1"/>
@@ -897,7 +884,7 @@
     </p:spTree>
     <p:extLst>
       <p:ext uri="{BB962C8B-B14F-4D97-AF65-F5344CB8AC3E}">
-        <p14:creationId xmlns:p14="http://schemas.microsoft.com/office/powerpoint/2010/main" val="939122183"/>
+        <p14:creationId xmlns:p14="http://schemas.microsoft.com/office/powerpoint/2010/main" val="3554682766"/>
       </p:ext>
     </p:extLst>
   </p:cSld>
@@ -990,7 +977,7 @@
     </p:spTree>
     <p:extLst>
       <p:ext uri="{BB962C8B-B14F-4D97-AF65-F5344CB8AC3E}">
-        <p14:creationId xmlns:p14="http://schemas.microsoft.com/office/powerpoint/2010/main" val="3554682766"/>
+        <p14:creationId xmlns:p14="http://schemas.microsoft.com/office/powerpoint/2010/main" val="3889051311"/>
       </p:ext>
     </p:extLst>
   </p:cSld>
@@ -1083,7 +1070,7 @@
     </p:spTree>
     <p:extLst>
       <p:ext uri="{BB962C8B-B14F-4D97-AF65-F5344CB8AC3E}">
-        <p14:creationId xmlns:p14="http://schemas.microsoft.com/office/powerpoint/2010/main" val="3889051311"/>
+        <p14:creationId xmlns:p14="http://schemas.microsoft.com/office/powerpoint/2010/main" val="2532536667"/>
       </p:ext>
     </p:extLst>
   </p:cSld>
@@ -1168,99 +1155,6 @@
             <a:fld id="{CD348BE1-5D0F-4005-AE81-D395D83A6DE6}" type="slidenum">
               <a:rPr lang="ko-KR" altLang="en-US" smtClean="0"/>
               <a:t>7</a:t>
-            </a:fld>
-            <a:endParaRPr lang="ko-KR" altLang="en-US"/>
-          </a:p>
-        </p:txBody>
-      </p:sp>
-    </p:spTree>
-    <p:extLst>
-      <p:ext uri="{BB962C8B-B14F-4D97-AF65-F5344CB8AC3E}">
-        <p14:creationId xmlns:p14="http://schemas.microsoft.com/office/powerpoint/2010/main" val="2532536667"/>
-      </p:ext>
-    </p:extLst>
-  </p:cSld>
-  <p:clrMapOvr>
-    <a:masterClrMapping/>
-  </p:clrMapOvr>
-</p:notes>
-</file>
-
-<file path=ppt/notesSlides/notesSlide8.xml><?xml version="1.0" encoding="utf-8"?>
-<p:notes xmlns:a="http://schemas.openxmlformats.org/drawingml/2006/main" xmlns:r="http://schemas.openxmlformats.org/officeDocument/2006/relationships" xmlns:p="http://schemas.openxmlformats.org/presentationml/2006/main">
-  <p:cSld>
-    <p:spTree>
-      <p:nvGrpSpPr>
-        <p:cNvPr id="1" name=""/>
-        <p:cNvGrpSpPr/>
-        <p:nvPr/>
-      </p:nvGrpSpPr>
-      <p:grpSpPr>
-        <a:xfrm>
-          <a:off x="0" y="0"/>
-          <a:ext cx="0" cy="0"/>
-          <a:chOff x="0" y="0"/>
-          <a:chExt cx="0" cy="0"/>
-        </a:xfrm>
-      </p:grpSpPr>
-      <p:sp>
-        <p:nvSpPr>
-          <p:cNvPr id="2" name="슬라이드 이미지 개체 틀 1"/>
-          <p:cNvSpPr>
-            <a:spLocks noGrp="1" noRot="1" noChangeAspect="1"/>
-          </p:cNvSpPr>
-          <p:nvPr>
-            <p:ph type="sldImg"/>
-          </p:nvPr>
-        </p:nvSpPr>
-        <p:spPr/>
-      </p:sp>
-      <p:sp>
-        <p:nvSpPr>
-          <p:cNvPr id="3" name="슬라이드 노트 개체 틀 2"/>
-          <p:cNvSpPr>
-            <a:spLocks noGrp="1"/>
-          </p:cNvSpPr>
-          <p:nvPr>
-            <p:ph type="body" idx="1"/>
-          </p:nvPr>
-        </p:nvSpPr>
-        <p:spPr/>
-        <p:txBody>
-          <a:bodyPr/>
-          <a:lstStyle/>
-          <a:p>
-            <a:pPr latinLnBrk="1"/>
-            <a:endParaRPr lang="ko-KR" altLang="ko-KR" sz="1200" kern="1200" dirty="0" smtClean="0">
-              <a:solidFill>
-                <a:schemeClr val="tx1"/>
-              </a:solidFill>
-              <a:effectLst/>
-              <a:latin typeface="+mn-lt"/>
-              <a:ea typeface="+mn-ea"/>
-              <a:cs typeface="+mn-cs"/>
-            </a:endParaRPr>
-          </a:p>
-        </p:txBody>
-      </p:sp>
-      <p:sp>
-        <p:nvSpPr>
-          <p:cNvPr id="4" name="슬라이드 번호 개체 틀 3"/>
-          <p:cNvSpPr>
-            <a:spLocks noGrp="1"/>
-          </p:cNvSpPr>
-          <p:nvPr>
-            <p:ph type="sldNum" sz="quarter" idx="10"/>
-          </p:nvPr>
-        </p:nvSpPr>
-        <p:spPr/>
-        <p:txBody>
-          <a:bodyPr/>
-          <a:lstStyle/>
-          <a:p>
-            <a:fld id="{CD348BE1-5D0F-4005-AE81-D395D83A6DE6}" type="slidenum">
-              <a:rPr lang="ko-KR" altLang="en-US" smtClean="0"/>
-              <a:t>8</a:t>
             </a:fld>
             <a:endParaRPr lang="ko-KR" altLang="en-US"/>
           </a:p>
@@ -1410,7 +1304,7 @@
           <a:p>
             <a:fld id="{E5D1C245-8FF6-4B52-8953-08959BC38014}" type="datetime1">
               <a:rPr lang="ko-KR" altLang="en-US" smtClean="0"/>
-              <a:t>2018-09-18</a:t>
+              <a:t>2018-09-19</a:t>
             </a:fld>
             <a:endParaRPr lang="ko-KR" altLang="en-US"/>
           </a:p>
@@ -1743,7 +1637,7 @@
           <a:p>
             <a:fld id="{A165DC62-FBC3-48BC-B681-4B616537FA7F}" type="datetime1">
               <a:rPr lang="ko-KR" altLang="en-US" smtClean="0"/>
-              <a:t>2018-09-18</a:t>
+              <a:t>2018-09-19</a:t>
             </a:fld>
             <a:endParaRPr lang="ko-KR" altLang="en-US"/>
           </a:p>
@@ -1923,7 +1817,7 @@
           <a:p>
             <a:fld id="{43E291CD-609F-45B2-97FB-5D76484B1B1E}" type="datetime1">
               <a:rPr lang="ko-KR" altLang="en-US" smtClean="0"/>
-              <a:t>2018-09-18</a:t>
+              <a:t>2018-09-19</a:t>
             </a:fld>
             <a:endParaRPr lang="ko-KR" altLang="en-US"/>
           </a:p>
@@ -2225,7 +2119,7 @@
           <a:p>
             <a:fld id="{AC1D8CAB-5D01-4918-8087-2582F5083138}" type="datetime1">
               <a:rPr lang="ko-KR" altLang="en-US" smtClean="0"/>
-              <a:t>2018-09-18</a:t>
+              <a:t>2018-09-19</a:t>
             </a:fld>
             <a:endParaRPr lang="ko-KR" altLang="en-US"/>
           </a:p>
@@ -2666,7 +2560,7 @@
           <a:p>
             <a:fld id="{E4BC229F-77BA-4835-A611-5A7A4D4CCBD5}" type="datetime1">
               <a:rPr lang="ko-KR" altLang="en-US" smtClean="0"/>
-              <a:t>2018-09-18</a:t>
+              <a:t>2018-09-19</a:t>
             </a:fld>
             <a:endParaRPr lang="ko-KR" altLang="en-US"/>
           </a:p>
@@ -2898,7 +2792,7 @@
           <a:p>
             <a:fld id="{F1981641-A39C-4319-BD07-26C0A87897C4}" type="datetime1">
               <a:rPr lang="ko-KR" altLang="en-US" smtClean="0"/>
-              <a:t>2018-09-18</a:t>
+              <a:t>2018-09-19</a:t>
             </a:fld>
             <a:endParaRPr lang="ko-KR" altLang="en-US"/>
           </a:p>
@@ -3265,7 +3159,7 @@
           <a:p>
             <a:fld id="{304878C4-3F7E-4001-ACBA-88164E5B9E40}" type="datetime1">
               <a:rPr lang="ko-KR" altLang="en-US" smtClean="0"/>
-              <a:t>2018-09-18</a:t>
+              <a:t>2018-09-19</a:t>
             </a:fld>
             <a:endParaRPr lang="ko-KR" altLang="en-US"/>
           </a:p>
@@ -3383,7 +3277,7 @@
           <a:p>
             <a:fld id="{FB9E80B5-90A4-402A-8F6D-5DBAC978A817}" type="datetime1">
               <a:rPr lang="ko-KR" altLang="en-US" smtClean="0"/>
-              <a:t>2018-09-18</a:t>
+              <a:t>2018-09-19</a:t>
             </a:fld>
             <a:endParaRPr lang="ko-KR" altLang="en-US"/>
           </a:p>
@@ -3478,7 +3372,7 @@
           <a:p>
             <a:fld id="{48A395B6-B4E7-43AF-922B-5039F3E1C8EB}" type="datetime1">
               <a:rPr lang="ko-KR" altLang="en-US" smtClean="0"/>
-              <a:t>2018-09-18</a:t>
+              <a:t>2018-09-19</a:t>
             </a:fld>
             <a:endParaRPr lang="ko-KR" altLang="en-US"/>
           </a:p>
@@ -3755,7 +3649,7 @@
           <a:p>
             <a:fld id="{1AFB5A7E-CD28-406F-8A69-412B85227D3D}" type="datetime1">
               <a:rPr lang="ko-KR" altLang="en-US" smtClean="0"/>
-              <a:t>2018-09-18</a:t>
+              <a:t>2018-09-19</a:t>
             </a:fld>
             <a:endParaRPr lang="ko-KR" altLang="en-US"/>
           </a:p>
@@ -4012,7 +3906,7 @@
           <a:p>
             <a:fld id="{BC6B5F4E-0F10-4950-9E7D-1FF3F5A0D183}" type="datetime1">
               <a:rPr lang="ko-KR" altLang="en-US" smtClean="0"/>
-              <a:t>2018-09-18</a:t>
+              <a:t>2018-09-19</a:t>
             </a:fld>
             <a:endParaRPr lang="ko-KR" altLang="en-US"/>
           </a:p>
@@ -4225,7 +4119,7 @@
           <a:p>
             <a:fld id="{B76872DF-DF68-4BA8-A333-13EAFCC7C52A}" type="datetime1">
               <a:rPr lang="ko-KR" altLang="en-US" smtClean="0"/>
-              <a:t>2018-09-18</a:t>
+              <a:t>2018-09-19</a:t>
             </a:fld>
             <a:endParaRPr lang="ko-KR" altLang="en-US"/>
           </a:p>
@@ -5085,11 +4979,7 @@
             </a:pPr>
             <a:r>
               <a:rPr lang="en-US" altLang="ko-KR" sz="3200" dirty="0" smtClean="0"/>
-              <a:t>Research </a:t>
-            </a:r>
-            <a:r>
-              <a:rPr lang="en-US" altLang="ko-KR" sz="3200" dirty="0" smtClean="0"/>
-              <a:t>Topic</a:t>
+              <a:t>Research Topic</a:t>
             </a:r>
           </a:p>
           <a:p>
@@ -5115,11 +5005,7 @@
             </a:pPr>
             <a:r>
               <a:rPr lang="en-US" altLang="ko-KR" sz="3200" dirty="0" smtClean="0"/>
-              <a:t>Research </a:t>
-            </a:r>
-            <a:r>
-              <a:rPr lang="en-US" altLang="ko-KR" sz="3200" dirty="0" smtClean="0"/>
-              <a:t>Plan</a:t>
+              <a:t>Research Plan</a:t>
             </a:r>
           </a:p>
           <a:p>
@@ -7348,186 +7234,6 @@
           <a:chExt cx="0" cy="0"/>
         </a:xfrm>
       </p:grpSpPr>
-      <p:sp>
-        <p:nvSpPr>
-          <p:cNvPr id="2" name="제목 1"/>
-          <p:cNvSpPr>
-            <a:spLocks noGrp="1"/>
-          </p:cNvSpPr>
-          <p:nvPr>
-            <p:ph type="title"/>
-          </p:nvPr>
-        </p:nvSpPr>
-        <p:spPr>
-          <a:xfrm>
-            <a:off x="171449" y="-20202"/>
-            <a:ext cx="8814610" cy="903501"/>
-          </a:xfrm>
-        </p:spPr>
-        <p:txBody>
-          <a:bodyPr>
-            <a:noAutofit/>
-          </a:bodyPr>
-          <a:lstStyle/>
-          <a:p>
-            <a:r>
-              <a:rPr lang="en-US" altLang="ko-KR" sz="3000" dirty="0" smtClean="0"/>
-              <a:t>1. Research Topic</a:t>
-            </a:r>
-            <a:endParaRPr lang="ko-KR" altLang="en-US" sz="3000" dirty="0"/>
-          </a:p>
-        </p:txBody>
-      </p:sp>
-      <p:sp>
-        <p:nvSpPr>
-          <p:cNvPr id="4" name="TextBox 3"/>
-          <p:cNvSpPr txBox="1"/>
-          <p:nvPr/>
-        </p:nvSpPr>
-        <p:spPr>
-          <a:xfrm>
-            <a:off x="1017142" y="1767155"/>
-            <a:ext cx="6965878" cy="923330"/>
-          </a:xfrm>
-          <a:prstGeom prst="rect">
-            <a:avLst/>
-          </a:prstGeom>
-          <a:noFill/>
-        </p:spPr>
-        <p:txBody>
-          <a:bodyPr wrap="square" rtlCol="0">
-            <a:spAutoFit/>
-          </a:bodyPr>
-          <a:lstStyle/>
-          <a:p>
-            <a:pPr marL="285750" indent="-285750">
-              <a:buFont typeface="Arial" panose="020B0604020202020204" pitchFamily="34" charset="0"/>
-              <a:buChar char="•"/>
-            </a:pPr>
-            <a:r>
-              <a:rPr lang="en-US" altLang="ko-KR" dirty="0" smtClean="0"/>
-              <a:t>Highly compliant</a:t>
-            </a:r>
-          </a:p>
-          <a:p>
-            <a:pPr marL="285750" indent="-285750">
-              <a:buFont typeface="Arial" panose="020B0604020202020204" pitchFamily="34" charset="0"/>
-              <a:buChar char="•"/>
-            </a:pPr>
-            <a:r>
-              <a:rPr lang="en-US" altLang="ko-KR" dirty="0" smtClean="0"/>
-              <a:t>Robustness against disturbance</a:t>
-            </a:r>
-          </a:p>
-          <a:p>
-            <a:pPr marL="285750" indent="-285750">
-              <a:buFont typeface="Arial" panose="020B0604020202020204" pitchFamily="34" charset="0"/>
-              <a:buChar char="•"/>
-            </a:pPr>
-            <a:r>
-              <a:rPr lang="en-US" altLang="ko-KR" dirty="0" smtClean="0"/>
-              <a:t>Energy efficient</a:t>
-            </a:r>
-            <a:endParaRPr lang="ko-KR" altLang="en-US" dirty="0"/>
-          </a:p>
-        </p:txBody>
-      </p:sp>
-      <p:sp>
-        <p:nvSpPr>
-          <p:cNvPr id="41" name="TextBox 40"/>
-          <p:cNvSpPr txBox="1"/>
-          <p:nvPr/>
-        </p:nvSpPr>
-        <p:spPr>
-          <a:xfrm>
-            <a:off x="4109664" y="3863083"/>
-            <a:ext cx="2630184" cy="369332"/>
-          </a:xfrm>
-          <a:prstGeom prst="rect">
-            <a:avLst/>
-          </a:prstGeom>
-          <a:noFill/>
-        </p:spPr>
-        <p:txBody>
-          <a:bodyPr wrap="square" rtlCol="0">
-            <a:spAutoFit/>
-          </a:bodyPr>
-          <a:lstStyle/>
-          <a:p>
-            <a:r>
-              <a:rPr lang="en-US" altLang="ko-KR" dirty="0" smtClean="0"/>
-              <a:t>Robot Control Framework</a:t>
-            </a:r>
-            <a:endParaRPr lang="ko-KR" altLang="en-US" dirty="0"/>
-          </a:p>
-        </p:txBody>
-      </p:sp>
-    </p:spTree>
-    <p:extLst>
-      <p:ext uri="{BB962C8B-B14F-4D97-AF65-F5344CB8AC3E}">
-        <p14:creationId xmlns:p14="http://schemas.microsoft.com/office/powerpoint/2010/main" val="1473993433"/>
-      </p:ext>
-    </p:extLst>
-  </p:cSld>
-  <p:clrMapOvr>
-    <a:masterClrMapping/>
-  </p:clrMapOvr>
-  <mc:AlternateContent xmlns:mc="http://schemas.openxmlformats.org/markup-compatibility/2006" xmlns:p14="http://schemas.microsoft.com/office/powerpoint/2010/main">
-    <mc:Choice Requires="p14">
-      <p:transition p14:dur="0"/>
-    </mc:Choice>
-    <mc:Fallback xmlns="">
-      <p:transition/>
-    </mc:Fallback>
-  </mc:AlternateContent>
-  <p:timing>
-    <p:tnLst>
-      <p:par>
-        <p:cTn id="1" dur="indefinite" restart="never" nodeType="tmRoot">
-          <p:childTnLst>
-            <p:par>
-              <p:cTn id="2"/>
-            </p:par>
-            <p:par>
-              <p:cTn id="3"/>
-            </p:par>
-            <p:par>
-              <p:cTn id="4"/>
-            </p:par>
-            <p:par>
-              <p:cTn id="5"/>
-            </p:par>
-            <p:par>
-              <p:cTn id="6"/>
-            </p:par>
-            <p:par>
-              <p:cTn id="7"/>
-            </p:par>
-          </p:childTnLst>
-        </p:cTn>
-      </p:par>
-    </p:tnLst>
-  </p:timing>
-</p:sld>
-</file>
-
-<file path=ppt/slides/slide5.xml><?xml version="1.0" encoding="utf-8"?>
-<p:sld xmlns:a="http://schemas.openxmlformats.org/drawingml/2006/main" xmlns:r="http://schemas.openxmlformats.org/officeDocument/2006/relationships" xmlns:p="http://schemas.openxmlformats.org/presentationml/2006/main">
-  <p:cSld>
-    <p:spTree>
-      <p:nvGrpSpPr>
-        <p:cNvPr id="1" name=""/>
-        <p:cNvGrpSpPr/>
-        <p:nvPr/>
-      </p:nvGrpSpPr>
-      <p:grpSpPr>
-        <a:xfrm>
-          <a:off x="0" y="0"/>
-          <a:ext cx="0" cy="0"/>
-          <a:chOff x="0" y="0"/>
-          <a:chExt cx="0" cy="0"/>
-        </a:xfrm>
-      </p:grpSpPr>
       <p:cxnSp>
         <p:nvCxnSpPr>
           <p:cNvPr id="41" name="직선 화살표 연결선 40"/>
@@ -8335,34 +8041,18 @@
                   <a:schemeClr val="tx1"/>
                 </a:solidFill>
               </a:rPr>
-              <a:t>Torque </a:t>
-            </a:r>
+              <a:t>Torque control</a:t>
+            </a:r>
+          </a:p>
+          <a:p>
+            <a:pPr algn="ctr"/>
             <a:r>
               <a:rPr lang="en-US" altLang="ko-KR" b="1" dirty="0" smtClean="0">
                 <a:solidFill>
                   <a:schemeClr val="tx1"/>
                 </a:solidFill>
               </a:rPr>
-              <a:t>control</a:t>
-            </a:r>
-          </a:p>
-          <a:p>
-            <a:pPr algn="ctr"/>
-            <a:r>
-              <a:rPr lang="en-US" altLang="ko-KR" b="1" dirty="0" smtClean="0">
-                <a:solidFill>
-                  <a:schemeClr val="tx1"/>
-                </a:solidFill>
-              </a:rPr>
-              <a:t>quadrupedal </a:t>
-            </a:r>
-            <a:r>
-              <a:rPr lang="en-US" altLang="ko-KR" b="1" dirty="0" smtClean="0">
-                <a:solidFill>
-                  <a:schemeClr val="tx1"/>
-                </a:solidFill>
-              </a:rPr>
-              <a:t>robot</a:t>
+              <a:t>quadrupedal robot</a:t>
             </a:r>
             <a:endParaRPr lang="ko-KR" altLang="en-US" b="1" dirty="0">
               <a:solidFill>
@@ -9042,7 +8732,7 @@
 </p:sld>
 </file>
 
-<file path=ppt/slides/slide6.xml><?xml version="1.0" encoding="utf-8"?>
+<file path=ppt/slides/slide5.xml><?xml version="1.0" encoding="utf-8"?>
 <p:sld xmlns:a="http://schemas.openxmlformats.org/drawingml/2006/main" xmlns:r="http://schemas.openxmlformats.org/officeDocument/2006/relationships" xmlns:p="http://schemas.openxmlformats.org/presentationml/2006/main">
   <p:cSld>
     <p:spTree>
@@ -9426,7 +9116,6 @@
               <a:rPr lang="en-US" altLang="ko-KR" sz="1200" dirty="0" smtClean="0"/>
               <a:t>.</a:t>
             </a:r>
-            <a:endParaRPr lang="en-US" altLang="ko-KR" sz="1200" dirty="0" smtClean="0"/>
           </a:p>
           <a:p>
             <a:pPr marL="342900" indent="-342900">
@@ -9570,7 +9259,7 @@
 </p:sld>
 </file>
 
-<file path=ppt/slides/slide7.xml><?xml version="1.0" encoding="utf-8"?>
+<file path=ppt/slides/slide6.xml><?xml version="1.0" encoding="utf-8"?>
 <p:sld xmlns:a="http://schemas.openxmlformats.org/drawingml/2006/main" xmlns:r="http://schemas.openxmlformats.org/officeDocument/2006/relationships" xmlns:p="http://schemas.openxmlformats.org/presentationml/2006/main">
   <p:cSld>
     <p:spTree>
@@ -9682,7 +9371,7 @@
 </p:sld>
 </file>
 
-<file path=ppt/slides/slide8.xml><?xml version="1.0" encoding="utf-8"?>
+<file path=ppt/slides/slide7.xml><?xml version="1.0" encoding="utf-8"?>
 <p:sld xmlns:a="http://schemas.openxmlformats.org/drawingml/2006/main" xmlns:r="http://schemas.openxmlformats.org/officeDocument/2006/relationships" xmlns:p="http://schemas.openxmlformats.org/presentationml/2006/main">
   <p:cSld>
     <p:spTree>
@@ -10089,7 +9778,7 @@
 </p:sld>
 </file>
 
-<file path=ppt/slides/slide9.xml><?xml version="1.0" encoding="utf-8"?>
+<file path=ppt/slides/slide8.xml><?xml version="1.0" encoding="utf-8"?>
 <p:sld xmlns:a="http://schemas.openxmlformats.org/drawingml/2006/main" xmlns:r="http://schemas.openxmlformats.org/officeDocument/2006/relationships" xmlns:p="http://schemas.openxmlformats.org/presentationml/2006/main">
   <p:cSld>
     <p:spTree>
